--- a/Ocean/DataFlow/Agent Portal Architectureต้นฉบับ.pptx
+++ b/Ocean/DataFlow/Agent Portal Architectureต้นฉบับ.pptx
@@ -5,23 +5,22 @@
     <p:sldMasterId id="2147483659" r:id="rId1"/>
   </p:sldMasterIdLst>
   <p:notesMasterIdLst>
-    <p:notesMasterId r:id="rId8"/>
+    <p:notesMasterId r:id="rId7"/>
   </p:notesMasterIdLst>
   <p:sldIdLst>
     <p:sldId id="256" r:id="rId2"/>
-    <p:sldId id="261" r:id="rId3"/>
-    <p:sldId id="257" r:id="rId4"/>
-    <p:sldId id="258" r:id="rId5"/>
-    <p:sldId id="259" r:id="rId6"/>
-    <p:sldId id="260" r:id="rId7"/>
+    <p:sldId id="257" r:id="rId3"/>
+    <p:sldId id="258" r:id="rId4"/>
+    <p:sldId id="259" r:id="rId5"/>
+    <p:sldId id="260" r:id="rId6"/>
   </p:sldIdLst>
   <p:sldSz cx="9144000" cy="5143500" type="screen16x9"/>
   <p:notesSz cx="6858000" cy="9144000"/>
   <p:embeddedFontLst>
     <p:embeddedFont>
       <p:font typeface="Tahoma" panose="020B0604030504040204" pitchFamily="34" charset="0"/>
-      <p:regular r:id="rId9"/>
-      <p:bold r:id="rId10"/>
+      <p:regular r:id="rId8"/>
+      <p:bold r:id="rId9"/>
     </p:embeddedFont>
   </p:embeddedFontLst>
   <p:defaultTextStyle>
@@ -822,7 +821,7 @@
   <p:cSld>
     <p:spTree>
       <p:nvGrpSpPr>
-        <p:cNvPr id="1" name="Shape 50"/>
+        <p:cNvPr id="1" name="Shape 126"/>
         <p:cNvGrpSpPr/>
         <p:nvPr/>
       </p:nvGrpSpPr>
@@ -836,7 +835,7 @@
       </p:grpSpPr>
       <p:sp>
         <p:nvSpPr>
-          <p:cNvPr id="51" name="Google Shape;51;g7ca70878e9_0_339:notes"/>
+          <p:cNvPr id="127" name="Google Shape;127;p:notes"/>
           <p:cNvSpPr>
             <a:spLocks noGrp="1" noRot="1" noChangeAspect="1"/>
           </p:cNvSpPr>
@@ -877,7 +876,7 @@
       </p:sp>
       <p:sp>
         <p:nvSpPr>
-          <p:cNvPr id="52" name="Google Shape;52;g7ca70878e9_0_339:notes"/>
+          <p:cNvPr id="128" name="Google Shape;128;p:notes"/>
           <p:cNvSpPr txBox="1">
             <a:spLocks noGrp="1"/>
           </p:cNvSpPr>
@@ -914,11 +913,6 @@
         </p:txBody>
       </p:sp>
     </p:spTree>
-    <p:extLst>
-      <p:ext uri="{BB962C8B-B14F-4D97-AF65-F5344CB8AC3E}">
-        <p14:creationId xmlns:p14="http://schemas.microsoft.com/office/powerpoint/2010/main" val="1091469046"/>
-      </p:ext>
-    </p:extLst>
   </p:cSld>
   <p:clrMapOvr>
     <a:masterClrMapping/>
@@ -931,7 +925,7 @@
   <p:cSld>
     <p:spTree>
       <p:nvGrpSpPr>
-        <p:cNvPr id="1" name="Shape 126"/>
+        <p:cNvPr id="1" name="Shape 192"/>
         <p:cNvGrpSpPr/>
         <p:nvPr/>
       </p:nvGrpSpPr>
@@ -945,7 +939,7 @@
       </p:grpSpPr>
       <p:sp>
         <p:nvSpPr>
-          <p:cNvPr id="127" name="Google Shape;127;p:notes"/>
+          <p:cNvPr id="193" name="Google Shape;193;g7ca70878e9_0_90:notes"/>
           <p:cNvSpPr>
             <a:spLocks noGrp="1" noRot="1" noChangeAspect="1"/>
           </p:cNvSpPr>
@@ -986,7 +980,7 @@
       </p:sp>
       <p:sp>
         <p:nvSpPr>
-          <p:cNvPr id="128" name="Google Shape;128;p:notes"/>
+          <p:cNvPr id="194" name="Google Shape;194;g7ca70878e9_0_90:notes"/>
           <p:cNvSpPr txBox="1">
             <a:spLocks noGrp="1"/>
           </p:cNvSpPr>
@@ -1035,7 +1029,7 @@
   <p:cSld>
     <p:spTree>
       <p:nvGrpSpPr>
-        <p:cNvPr id="1" name="Shape 192"/>
+        <p:cNvPr id="1" name="Shape 265"/>
         <p:cNvGrpSpPr/>
         <p:nvPr/>
       </p:nvGrpSpPr>
@@ -1049,7 +1043,7 @@
       </p:grpSpPr>
       <p:sp>
         <p:nvSpPr>
-          <p:cNvPr id="193" name="Google Shape;193;g7ca70878e9_0_90:notes"/>
+          <p:cNvPr id="266" name="Google Shape;266;g7ca70878e9_0_162:notes"/>
           <p:cNvSpPr>
             <a:spLocks noGrp="1" noRot="1" noChangeAspect="1"/>
           </p:cNvSpPr>
@@ -1090,7 +1084,7 @@
       </p:sp>
       <p:sp>
         <p:nvSpPr>
-          <p:cNvPr id="194" name="Google Shape;194;g7ca70878e9_0_90:notes"/>
+          <p:cNvPr id="267" name="Google Shape;267;g7ca70878e9_0_162:notes"/>
           <p:cNvSpPr txBox="1">
             <a:spLocks noGrp="1"/>
           </p:cNvSpPr>
@@ -1135,110 +1129,6 @@
 </file>
 
 <file path=ppt/notesSlides/notesSlide5.xml><?xml version="1.0" encoding="utf-8"?>
-<p:notes xmlns:a="http://schemas.openxmlformats.org/drawingml/2006/main" xmlns:r="http://schemas.openxmlformats.org/officeDocument/2006/relationships" xmlns:p="http://schemas.openxmlformats.org/presentationml/2006/main" showMasterSp="0" showMasterPhAnim="0">
-  <p:cSld>
-    <p:spTree>
-      <p:nvGrpSpPr>
-        <p:cNvPr id="1" name="Shape 265"/>
-        <p:cNvGrpSpPr/>
-        <p:nvPr/>
-      </p:nvGrpSpPr>
-      <p:grpSpPr>
-        <a:xfrm>
-          <a:off x="0" y="0"/>
-          <a:ext cx="0" cy="0"/>
-          <a:chOff x="0" y="0"/>
-          <a:chExt cx="0" cy="0"/>
-        </a:xfrm>
-      </p:grpSpPr>
-      <p:sp>
-        <p:nvSpPr>
-          <p:cNvPr id="266" name="Google Shape;266;g7ca70878e9_0_162:notes"/>
-          <p:cNvSpPr>
-            <a:spLocks noGrp="1" noRot="1" noChangeAspect="1"/>
-          </p:cNvSpPr>
-          <p:nvPr>
-            <p:ph type="sldImg" idx="2"/>
-          </p:nvPr>
-        </p:nvSpPr>
-        <p:spPr>
-          <a:xfrm>
-            <a:off x="381300" y="685800"/>
-            <a:ext cx="6096000" cy="3429000"/>
-          </a:xfrm>
-          <a:custGeom>
-            <a:avLst/>
-            <a:gdLst/>
-            <a:ahLst/>
-            <a:cxnLst/>
-            <a:rect l="l" t="t" r="r" b="b"/>
-            <a:pathLst>
-              <a:path w="120000" h="120000" extrusionOk="0">
-                <a:moveTo>
-                  <a:pt x="0" y="0"/>
-                </a:moveTo>
-                <a:lnTo>
-                  <a:pt x="120000" y="0"/>
-                </a:lnTo>
-                <a:lnTo>
-                  <a:pt x="120000" y="120000"/>
-                </a:lnTo>
-                <a:lnTo>
-                  <a:pt x="0" y="120000"/>
-                </a:lnTo>
-                <a:close/>
-              </a:path>
-            </a:pathLst>
-          </a:custGeom>
-        </p:spPr>
-      </p:sp>
-      <p:sp>
-        <p:nvSpPr>
-          <p:cNvPr id="267" name="Google Shape;267;g7ca70878e9_0_162:notes"/>
-          <p:cNvSpPr txBox="1">
-            <a:spLocks noGrp="1"/>
-          </p:cNvSpPr>
-          <p:nvPr>
-            <p:ph type="body" idx="1"/>
-          </p:nvPr>
-        </p:nvSpPr>
-        <p:spPr>
-          <a:xfrm>
-            <a:off x="685800" y="4343400"/>
-            <a:ext cx="5486400" cy="4114800"/>
-          </a:xfrm>
-          <a:prstGeom prst="rect">
-            <a:avLst/>
-          </a:prstGeom>
-        </p:spPr>
-        <p:txBody>
-          <a:bodyPr spcFirstLastPara="1" wrap="square" lIns="91425" tIns="91425" rIns="91425" bIns="91425" anchor="t" anchorCtr="0">
-            <a:noAutofit/>
-          </a:bodyPr>
-          <a:lstStyle/>
-          <a:p>
-            <a:pPr marL="0" lvl="0" indent="0" algn="l" rtl="0">
-              <a:spcBef>
-                <a:spcPts val="0"/>
-              </a:spcBef>
-              <a:spcAft>
-                <a:spcPts val="0"/>
-              </a:spcAft>
-              <a:buNone/>
-            </a:pPr>
-            <a:endParaRPr/>
-          </a:p>
-        </p:txBody>
-      </p:sp>
-    </p:spTree>
-  </p:cSld>
-  <p:clrMapOvr>
-    <a:masterClrMapping/>
-  </p:clrMapOvr>
-</p:notes>
-</file>
-
-<file path=ppt/notesSlides/notesSlide6.xml><?xml version="1.0" encoding="utf-8"?>
 <p:notes xmlns:a="http://schemas.openxmlformats.org/drawingml/2006/main" xmlns:r="http://schemas.openxmlformats.org/officeDocument/2006/relationships" xmlns:p="http://schemas.openxmlformats.org/presentationml/2006/main" showMasterSp="0" showMasterPhAnim="0">
   <p:cSld>
     <p:spTree>
@@ -7546,9 +7436,7 @@
               <a:gd name="adj" fmla="val 8420"/>
             </a:avLst>
           </a:prstGeom>
-          <a:solidFill>
-            <a:srgbClr val="EE91E4"/>
-          </a:solidFill>
+          <a:noFill/>
           <a:ln w="9525" cap="flat" cmpd="sng">
             <a:solidFill>
               <a:srgbClr val="000000"/>
@@ -8548,37 +8436,7 @@
               <a:buNone/>
             </a:pPr>
             <a:r>
-              <a:rPr lang="en" sz="800">
-                <a:highlight>
-                  <a:schemeClr val="lt1"/>
-                </a:highlight>
-              </a:rPr>
-              <a:t>- ข้อมูลเบี้ย,ทุน</a:t>
-            </a:r>
-            <a:br>
-              <a:rPr lang="en" sz="800">
-                <a:highlight>
-                  <a:schemeClr val="lt1"/>
-                </a:highlight>
-              </a:rPr>
-            </a:br>
-            <a:r>
-              <a:rPr lang="en" sz="800">
-                <a:highlight>
-                  <a:schemeClr val="lt1"/>
-                </a:highlight>
-              </a:rPr>
-              <a:t>- จำนวน case</a:t>
-            </a:r>
-            <a:br>
-              <a:rPr lang="en" sz="800">
-                <a:highlight>
-                  <a:schemeClr val="lt1"/>
-                </a:highlight>
-              </a:rPr>
-            </a:br>
-            <a:r>
-              <a:rPr lang="en" sz="800">
+              <a:rPr lang="en" sz="800" dirty="0">
                 <a:highlight>
                   <a:schemeClr val="lt1"/>
                 </a:highlight>
@@ -8586,3420 +8444,12 @@
               <a:t>- </a:t>
             </a:r>
             <a:r>
-              <a:rPr lang="en" sz="800">
-                <a:solidFill>
-                  <a:schemeClr val="dk1"/>
-                </a:solidFill>
-                <a:highlight>
-                  <a:schemeClr val="lt1"/>
-                </a:highlight>
-              </a:rPr>
-              <a:t>รายได้, ความคงอยู่</a:t>
-            </a:r>
-            <a:br>
-              <a:rPr lang="en" sz="800">
-                <a:solidFill>
-                  <a:schemeClr val="dk1"/>
-                </a:solidFill>
-                <a:highlight>
-                  <a:schemeClr val="lt1"/>
-                </a:highlight>
-              </a:rPr>
-            </a:br>
-            <a:r>
-              <a:rPr lang="en" sz="800">
-                <a:solidFill>
-                  <a:schemeClr val="dk1"/>
-                </a:solidFill>
-                <a:highlight>
-                  <a:schemeClr val="lt1"/>
-                </a:highlight>
-              </a:rPr>
-              <a:t>- ข้อมูลงวด</a:t>
-            </a:r>
-            <a:endParaRPr sz="800">
-              <a:highlight>
-                <a:schemeClr val="lt1"/>
-              </a:highlight>
-            </a:endParaRPr>
-          </a:p>
-        </p:txBody>
-      </p:sp>
-      <p:cxnSp>
-        <p:nvCxnSpPr>
-          <p:cNvPr id="112" name="Google Shape;112;p13"/>
-          <p:cNvCxnSpPr>
-            <a:endCxn id="113" idx="2"/>
-          </p:cNvCxnSpPr>
-          <p:nvPr/>
-        </p:nvCxnSpPr>
-        <p:spPr>
-          <a:xfrm flipH="1">
-            <a:off x="2397117" y="2216125"/>
-            <a:ext cx="1478700" cy="48300"/>
-          </a:xfrm>
-          <a:prstGeom prst="curvedConnector4">
-            <a:avLst>
-              <a:gd name="adj1" fmla="val 31812"/>
-              <a:gd name="adj2" fmla="val 425362"/>
-            </a:avLst>
-          </a:prstGeom>
-          <a:noFill/>
-          <a:ln w="9525" cap="flat" cmpd="sng">
-            <a:solidFill>
-              <a:schemeClr val="dk2"/>
-            </a:solidFill>
-            <a:prstDash val="solid"/>
-            <a:round/>
-            <a:headEnd type="none" w="med" len="med"/>
-            <a:tailEnd type="stealth" w="med" len="med"/>
-          </a:ln>
-        </p:spPr>
-      </p:cxnSp>
-      <p:sp>
-        <p:nvSpPr>
-          <p:cNvPr id="114" name="Google Shape;114;p13"/>
-          <p:cNvSpPr txBox="1"/>
-          <p:nvPr/>
-        </p:nvSpPr>
-        <p:spPr>
-          <a:xfrm>
-            <a:off x="2775575" y="2298663"/>
-            <a:ext cx="758400" cy="243900"/>
-          </a:xfrm>
-          <a:prstGeom prst="rect">
-            <a:avLst/>
-          </a:prstGeom>
-          <a:noFill/>
-          <a:ln>
-            <a:noFill/>
-          </a:ln>
-        </p:spPr>
-        <p:txBody>
-          <a:bodyPr spcFirstLastPara="1" wrap="square" lIns="91425" tIns="91425" rIns="91425" bIns="91425" anchor="ctr" anchorCtr="0">
-            <a:noAutofit/>
-          </a:bodyPr>
-          <a:lstStyle/>
-          <a:p>
-            <a:pPr marL="0" lvl="0" indent="0" algn="l" rtl="0">
-              <a:spcBef>
-                <a:spcPts val="0"/>
-              </a:spcBef>
-              <a:spcAft>
-                <a:spcPts val="0"/>
-              </a:spcAft>
-              <a:buNone/>
-            </a:pPr>
-            <a:r>
-              <a:rPr lang="en" sz="800">
-                <a:highlight>
-                  <a:schemeClr val="lt1"/>
-                </a:highlight>
-              </a:rPr>
-              <a:t>Register Job</a:t>
-            </a:r>
-            <a:endParaRPr sz="800">
-              <a:highlight>
-                <a:schemeClr val="lt1"/>
-              </a:highlight>
-            </a:endParaRPr>
-          </a:p>
-        </p:txBody>
-      </p:sp>
-      <p:cxnSp>
-        <p:nvCxnSpPr>
-          <p:cNvPr id="115" name="Google Shape;115;p13"/>
-          <p:cNvCxnSpPr>
-            <a:stCxn id="55" idx="2"/>
-            <a:endCxn id="64" idx="3"/>
-          </p:cNvCxnSpPr>
-          <p:nvPr/>
-        </p:nvCxnSpPr>
-        <p:spPr>
-          <a:xfrm rot="5400000">
-            <a:off x="5840065" y="1957579"/>
-            <a:ext cx="971700" cy="1857600"/>
-          </a:xfrm>
-          <a:prstGeom prst="curvedConnector2">
-            <a:avLst/>
-          </a:prstGeom>
-          <a:noFill/>
-          <a:ln w="9525" cap="flat" cmpd="sng">
-            <a:solidFill>
-              <a:schemeClr val="dk2"/>
-            </a:solidFill>
-            <a:prstDash val="solid"/>
-            <a:round/>
-            <a:headEnd type="none" w="med" len="med"/>
-            <a:tailEnd type="stealth" w="med" len="med"/>
-          </a:ln>
-        </p:spPr>
-      </p:cxnSp>
-      <p:sp>
-        <p:nvSpPr>
-          <p:cNvPr id="116" name="Google Shape;116;p13"/>
-          <p:cNvSpPr txBox="1"/>
-          <p:nvPr/>
-        </p:nvSpPr>
-        <p:spPr>
-          <a:xfrm>
-            <a:off x="7992494" y="2352228"/>
-            <a:ext cx="894000" cy="1160100"/>
-          </a:xfrm>
-          <a:prstGeom prst="rect">
-            <a:avLst/>
-          </a:prstGeom>
-          <a:noFill/>
-          <a:ln>
-            <a:noFill/>
-          </a:ln>
-        </p:spPr>
-        <p:txBody>
-          <a:bodyPr spcFirstLastPara="1" wrap="square" lIns="91425" tIns="91425" rIns="91425" bIns="91425" anchor="ctr" anchorCtr="0">
-            <a:noAutofit/>
-          </a:bodyPr>
-          <a:lstStyle/>
-          <a:p>
-            <a:pPr marL="0" lvl="0" indent="0" algn="l" rtl="0">
-              <a:spcBef>
-                <a:spcPts val="0"/>
-              </a:spcBef>
-              <a:spcAft>
-                <a:spcPts val="0"/>
-              </a:spcAft>
-              <a:buNone/>
-            </a:pPr>
-            <a:r>
-              <a:rPr lang="en" sz="800">
-                <a:highlight>
-                  <a:schemeClr val="lt1"/>
-                </a:highlight>
-                <a:latin typeface="Tahoma"/>
-                <a:ea typeface="Tahoma"/>
-                <a:cs typeface="Tahoma"/>
-                <a:sym typeface="Tahoma"/>
-              </a:rPr>
-              <a:t>OCDTA lib</a:t>
-            </a:r>
-            <a:br>
-              <a:rPr lang="en" sz="800">
-                <a:highlight>
-                  <a:schemeClr val="lt1"/>
-                </a:highlight>
-                <a:latin typeface="Tahoma"/>
-                <a:ea typeface="Tahoma"/>
-                <a:cs typeface="Tahoma"/>
-                <a:sym typeface="Tahoma"/>
-              </a:rPr>
-            </a:br>
-            <a:r>
-              <a:rPr lang="en" sz="800">
-                <a:highlight>
-                  <a:schemeClr val="lt1"/>
-                </a:highlight>
-                <a:latin typeface="Tahoma"/>
-                <a:ea typeface="Tahoma"/>
-                <a:cs typeface="Tahoma"/>
-                <a:sym typeface="Tahoma"/>
-              </a:rPr>
-              <a:t>- </a:t>
-            </a:r>
-            <a:r>
-              <a:rPr lang="en" sz="800">
-                <a:solidFill>
-                  <a:schemeClr val="dk1"/>
-                </a:solidFill>
-                <a:highlight>
-                  <a:srgbClr val="FFFFFF"/>
-                </a:highlight>
-                <a:latin typeface="Tahoma"/>
-                <a:ea typeface="Tahoma"/>
-                <a:cs typeface="Tahoma"/>
-                <a:sym typeface="Tahoma"/>
-              </a:rPr>
-              <a:t>PSPAGMT1</a:t>
-            </a:r>
-            <a:br>
-              <a:rPr lang="en" sz="800">
-                <a:solidFill>
-                  <a:schemeClr val="dk1"/>
-                </a:solidFill>
-                <a:highlight>
-                  <a:srgbClr val="FFFFFF"/>
-                </a:highlight>
-                <a:latin typeface="Tahoma"/>
-                <a:ea typeface="Tahoma"/>
-                <a:cs typeface="Tahoma"/>
-                <a:sym typeface="Tahoma"/>
-              </a:rPr>
-            </a:br>
-            <a:r>
-              <a:rPr lang="en" sz="800">
-                <a:solidFill>
-                  <a:schemeClr val="dk1"/>
-                </a:solidFill>
-                <a:highlight>
-                  <a:srgbClr val="FFFFFF"/>
-                </a:highlight>
-                <a:latin typeface="Tahoma"/>
-                <a:ea typeface="Tahoma"/>
-                <a:cs typeface="Tahoma"/>
-                <a:sym typeface="Tahoma"/>
-              </a:rPr>
-              <a:t>- PSPAGMT4</a:t>
-            </a:r>
-            <a:br>
-              <a:rPr lang="en" sz="800">
-                <a:solidFill>
-                  <a:schemeClr val="dk1"/>
-                </a:solidFill>
-                <a:highlight>
-                  <a:srgbClr val="FFFFFF"/>
-                </a:highlight>
-                <a:latin typeface="Tahoma"/>
-                <a:ea typeface="Tahoma"/>
-                <a:cs typeface="Tahoma"/>
-                <a:sym typeface="Tahoma"/>
-              </a:rPr>
-            </a:br>
-            <a:r>
-              <a:rPr lang="en" sz="800">
-                <a:solidFill>
-                  <a:schemeClr val="dk1"/>
-                </a:solidFill>
-                <a:highlight>
-                  <a:srgbClr val="FFFFFF"/>
-                </a:highlight>
-                <a:latin typeface="Tahoma"/>
-                <a:ea typeface="Tahoma"/>
-                <a:cs typeface="Tahoma"/>
-                <a:sym typeface="Tahoma"/>
-              </a:rPr>
-              <a:t>- PSPAGMT6</a:t>
-            </a:r>
-            <a:br>
-              <a:rPr lang="en" sz="800">
-                <a:solidFill>
-                  <a:schemeClr val="dk1"/>
-                </a:solidFill>
-                <a:highlight>
-                  <a:srgbClr val="FFFFFF"/>
-                </a:highlight>
-                <a:latin typeface="Tahoma"/>
-                <a:ea typeface="Tahoma"/>
-                <a:cs typeface="Tahoma"/>
-                <a:sym typeface="Tahoma"/>
-              </a:rPr>
-            </a:br>
-            <a:r>
-              <a:rPr lang="en" sz="800">
-                <a:solidFill>
-                  <a:schemeClr val="dk1"/>
-                </a:solidFill>
-                <a:highlight>
-                  <a:srgbClr val="FFFFFF"/>
-                </a:highlight>
-                <a:latin typeface="Tahoma"/>
-                <a:ea typeface="Tahoma"/>
-                <a:cs typeface="Tahoma"/>
-                <a:sym typeface="Tahoma"/>
-              </a:rPr>
-              <a:t>- PSPEMPNO</a:t>
-            </a:r>
-            <a:br>
-              <a:rPr lang="en" sz="800">
-                <a:solidFill>
-                  <a:schemeClr val="dk1"/>
-                </a:solidFill>
-                <a:highlight>
-                  <a:srgbClr val="FFFFFF"/>
-                </a:highlight>
-                <a:latin typeface="Tahoma"/>
-                <a:ea typeface="Tahoma"/>
-                <a:cs typeface="Tahoma"/>
-                <a:sym typeface="Tahoma"/>
-              </a:rPr>
-            </a:br>
-            <a:r>
-              <a:rPr lang="en" sz="800">
-                <a:solidFill>
-                  <a:schemeClr val="dk1"/>
-                </a:solidFill>
-                <a:highlight>
-                  <a:srgbClr val="FFFFFF"/>
-                </a:highlight>
-                <a:latin typeface="Tahoma"/>
-                <a:ea typeface="Tahoma"/>
-                <a:cs typeface="Tahoma"/>
-                <a:sym typeface="Tahoma"/>
-              </a:rPr>
-              <a:t>- PSPSLPOS</a:t>
-            </a:r>
-            <a:br>
-              <a:rPr lang="en" sz="800">
-                <a:solidFill>
-                  <a:schemeClr val="dk1"/>
-                </a:solidFill>
-                <a:highlight>
-                  <a:srgbClr val="FFFFFF"/>
-                </a:highlight>
-                <a:latin typeface="Tahoma"/>
-                <a:ea typeface="Tahoma"/>
-                <a:cs typeface="Tahoma"/>
-                <a:sym typeface="Tahoma"/>
-              </a:rPr>
-            </a:br>
-            <a:r>
-              <a:rPr lang="en" sz="800">
-                <a:solidFill>
-                  <a:schemeClr val="dk1"/>
-                </a:solidFill>
-                <a:highlight>
-                  <a:srgbClr val="FFFFFF"/>
-                </a:highlight>
-                <a:latin typeface="Tahoma"/>
-                <a:ea typeface="Tahoma"/>
-                <a:cs typeface="Tahoma"/>
-                <a:sym typeface="Tahoma"/>
-              </a:rPr>
-              <a:t>- PSPSLORG</a:t>
-            </a:r>
-            <a:br>
-              <a:rPr lang="en" sz="800">
-                <a:solidFill>
-                  <a:schemeClr val="dk1"/>
-                </a:solidFill>
-                <a:highlight>
-                  <a:srgbClr val="FFFFFF"/>
-                </a:highlight>
-                <a:latin typeface="Tahoma"/>
-                <a:ea typeface="Tahoma"/>
-                <a:cs typeface="Tahoma"/>
-                <a:sym typeface="Tahoma"/>
-              </a:rPr>
-            </a:br>
-            <a:r>
-              <a:rPr lang="en" sz="800">
-                <a:solidFill>
-                  <a:schemeClr val="dk1"/>
-                </a:solidFill>
-                <a:highlight>
-                  <a:srgbClr val="FFFFFF"/>
-                </a:highlight>
-                <a:latin typeface="Tahoma"/>
-                <a:ea typeface="Tahoma"/>
-                <a:cs typeface="Tahoma"/>
-                <a:sym typeface="Tahoma"/>
-              </a:rPr>
-              <a:t>- ASPLCAGM</a:t>
-            </a:r>
-            <a:endParaRPr sz="800">
-              <a:highlight>
-                <a:schemeClr val="lt1"/>
-              </a:highlight>
-              <a:latin typeface="Tahoma"/>
-              <a:ea typeface="Tahoma"/>
-              <a:cs typeface="Tahoma"/>
-              <a:sym typeface="Tahoma"/>
-            </a:endParaRPr>
-          </a:p>
-        </p:txBody>
-      </p:sp>
-      <p:sp>
-        <p:nvSpPr>
-          <p:cNvPr id="117" name="Google Shape;117;p13"/>
-          <p:cNvSpPr txBox="1"/>
-          <p:nvPr/>
-        </p:nvSpPr>
-        <p:spPr>
-          <a:xfrm>
-            <a:off x="6680875" y="2552350"/>
-            <a:ext cx="985200" cy="486600"/>
-          </a:xfrm>
-          <a:prstGeom prst="rect">
-            <a:avLst/>
-          </a:prstGeom>
-          <a:noFill/>
-          <a:ln>
-            <a:noFill/>
-          </a:ln>
-        </p:spPr>
-        <p:txBody>
-          <a:bodyPr spcFirstLastPara="1" wrap="square" lIns="91425" tIns="91425" rIns="91425" bIns="91425" anchor="ctr" anchorCtr="0">
-            <a:noAutofit/>
-          </a:bodyPr>
-          <a:lstStyle/>
-          <a:p>
-            <a:pPr marL="0" lvl="0" indent="0" algn="l" rtl="0">
-              <a:spcBef>
-                <a:spcPts val="0"/>
-              </a:spcBef>
-              <a:spcAft>
-                <a:spcPts val="0"/>
-              </a:spcAft>
-              <a:buNone/>
-            </a:pPr>
-            <a:r>
-              <a:rPr lang="en" sz="800">
-                <a:highlight>
-                  <a:schemeClr val="lt1"/>
-                </a:highlight>
-              </a:rPr>
-              <a:t>ข้อมูลตัวแทนจาก OCDTA LIB</a:t>
-            </a:r>
-            <a:endParaRPr sz="800">
-              <a:highlight>
-                <a:schemeClr val="lt1"/>
-              </a:highlight>
-            </a:endParaRPr>
-          </a:p>
-        </p:txBody>
-      </p:sp>
-      <p:pic>
-        <p:nvPicPr>
-          <p:cNvPr id="118" name="Google Shape;118;p13"/>
-          <p:cNvPicPr preferRelativeResize="0"/>
-          <p:nvPr/>
-        </p:nvPicPr>
-        <p:blipFill>
-          <a:blip r:embed="rId4">
-            <a:alphaModFix/>
-          </a:blip>
-          <a:stretch>
-            <a:fillRect/>
-          </a:stretch>
-        </p:blipFill>
-        <p:spPr>
-          <a:xfrm>
-            <a:off x="5336110" y="710953"/>
-            <a:ext cx="377100" cy="377100"/>
-          </a:xfrm>
-          <a:prstGeom prst="rect">
-            <a:avLst/>
-          </a:prstGeom>
-          <a:noFill/>
-          <a:ln>
-            <a:noFill/>
-          </a:ln>
-        </p:spPr>
-      </p:pic>
-      <p:cxnSp>
-        <p:nvCxnSpPr>
-          <p:cNvPr id="119" name="Google Shape;119;p13"/>
-          <p:cNvCxnSpPr>
-            <a:stCxn id="118" idx="3"/>
-            <a:endCxn id="55" idx="0"/>
-          </p:cNvCxnSpPr>
-          <p:nvPr/>
-        </p:nvCxnSpPr>
-        <p:spPr>
-          <a:xfrm>
-            <a:off x="5713210" y="899503"/>
-            <a:ext cx="1541400" cy="1167600"/>
-          </a:xfrm>
-          <a:prstGeom prst="bentConnector2">
-            <a:avLst/>
-          </a:prstGeom>
-          <a:noFill/>
-          <a:ln w="9525" cap="flat" cmpd="sng">
-            <a:solidFill>
-              <a:schemeClr val="dk2"/>
-            </a:solidFill>
-            <a:prstDash val="solid"/>
-            <a:round/>
-            <a:headEnd type="none" w="med" len="med"/>
-            <a:tailEnd type="stealth" w="med" len="med"/>
-          </a:ln>
-        </p:spPr>
-      </p:cxnSp>
-      <p:sp>
-        <p:nvSpPr>
-          <p:cNvPr id="120" name="Google Shape;120;p13"/>
-          <p:cNvSpPr txBox="1"/>
-          <p:nvPr/>
-        </p:nvSpPr>
-        <p:spPr>
-          <a:xfrm>
-            <a:off x="6139598" y="679819"/>
-            <a:ext cx="1169700" cy="486600"/>
-          </a:xfrm>
-          <a:prstGeom prst="rect">
-            <a:avLst/>
-          </a:prstGeom>
-          <a:noFill/>
-          <a:ln>
-            <a:noFill/>
-          </a:ln>
-        </p:spPr>
-        <p:txBody>
-          <a:bodyPr spcFirstLastPara="1" wrap="square" lIns="91425" tIns="91425" rIns="91425" bIns="91425" anchor="ctr" anchorCtr="0">
-            <a:noAutofit/>
-          </a:bodyPr>
-          <a:lstStyle/>
-          <a:p>
-            <a:pPr marL="0" lvl="0" indent="0" algn="l" rtl="0">
-              <a:spcBef>
-                <a:spcPts val="0"/>
-              </a:spcBef>
-              <a:spcAft>
-                <a:spcPts val="0"/>
-              </a:spcAft>
-              <a:buNone/>
-            </a:pPr>
-            <a:r>
-              <a:rPr lang="en" sz="800">
-                <a:highlight>
-                  <a:schemeClr val="lt1"/>
-                </a:highlight>
-              </a:rPr>
-              <a:t>- st_product</a:t>
-            </a:r>
-            <a:br>
-              <a:rPr lang="en" sz="800">
-                <a:highlight>
-                  <a:schemeClr val="lt1"/>
-                </a:highlight>
-              </a:rPr>
-            </a:br>
-            <a:r>
-              <a:rPr lang="en" sz="800">
-                <a:highlight>
-                  <a:schemeClr val="lt1"/>
-                </a:highlight>
-              </a:rPr>
-              <a:t>- st_rider</a:t>
-            </a:r>
-            <a:br>
-              <a:rPr lang="en" sz="800">
-                <a:highlight>
-                  <a:schemeClr val="lt1"/>
-                </a:highlight>
-              </a:rPr>
-            </a:br>
-            <a:r>
-              <a:rPr lang="en" sz="800">
-                <a:highlight>
-                  <a:schemeClr val="lt1"/>
-                </a:highlight>
-              </a:rPr>
-              <a:t>- </a:t>
-            </a:r>
-            <a:r>
-              <a:rPr lang="en" sz="800">
-                <a:solidFill>
-                  <a:schemeClr val="dk1"/>
-                </a:solidFill>
-                <a:highlight>
-                  <a:schemeClr val="lt1"/>
-                </a:highlight>
-              </a:rPr>
-              <a:t>st_rider_insure_cal</a:t>
-            </a:r>
-            <a:br>
-              <a:rPr lang="en" sz="800">
-                <a:solidFill>
-                  <a:schemeClr val="dk1"/>
-                </a:solidFill>
-                <a:highlight>
-                  <a:schemeClr val="lt1"/>
-                </a:highlight>
-              </a:rPr>
-            </a:br>
-            <a:r>
-              <a:rPr lang="en" sz="800">
-                <a:solidFill>
-                  <a:schemeClr val="dk1"/>
-                </a:solidFill>
-                <a:highlight>
-                  <a:schemeClr val="lt1"/>
-                </a:highlight>
-              </a:rPr>
-              <a:t>- st_rider_plan</a:t>
-            </a:r>
-            <a:endParaRPr sz="800">
-              <a:highlight>
-                <a:schemeClr val="lt1"/>
-              </a:highlight>
-            </a:endParaRPr>
-          </a:p>
-        </p:txBody>
-      </p:sp>
-      <p:cxnSp>
-        <p:nvCxnSpPr>
-          <p:cNvPr id="121" name="Google Shape;121;p13"/>
-          <p:cNvCxnSpPr>
-            <a:stCxn id="55" idx="1"/>
-            <a:endCxn id="106" idx="3"/>
-          </p:cNvCxnSpPr>
-          <p:nvPr/>
-        </p:nvCxnSpPr>
-        <p:spPr>
-          <a:xfrm rot="10800000">
-            <a:off x="5702815" y="1545079"/>
-            <a:ext cx="1244400" cy="688800"/>
-          </a:xfrm>
-          <a:prstGeom prst="bentConnector3">
-            <a:avLst>
-              <a:gd name="adj1" fmla="val 12991"/>
-            </a:avLst>
-          </a:prstGeom>
-          <a:noFill/>
-          <a:ln w="9525" cap="flat" cmpd="sng">
-            <a:solidFill>
-              <a:schemeClr val="dk2"/>
-            </a:solidFill>
-            <a:prstDash val="solid"/>
-            <a:round/>
-            <a:headEnd type="none" w="med" len="med"/>
-            <a:tailEnd type="stealth" w="med" len="med"/>
-          </a:ln>
-        </p:spPr>
-      </p:cxnSp>
-      <p:sp>
-        <p:nvSpPr>
-          <p:cNvPr id="122" name="Google Shape;122;p13"/>
-          <p:cNvSpPr txBox="1"/>
-          <p:nvPr/>
-        </p:nvSpPr>
-        <p:spPr>
-          <a:xfrm>
-            <a:off x="5908575" y="2003875"/>
-            <a:ext cx="985200" cy="486600"/>
-          </a:xfrm>
-          <a:prstGeom prst="rect">
-            <a:avLst/>
-          </a:prstGeom>
-          <a:noFill/>
-          <a:ln>
-            <a:noFill/>
-          </a:ln>
-        </p:spPr>
-        <p:txBody>
-          <a:bodyPr spcFirstLastPara="1" wrap="square" lIns="91425" tIns="91425" rIns="91425" bIns="91425" anchor="ctr" anchorCtr="0">
-            <a:noAutofit/>
-          </a:bodyPr>
-          <a:lstStyle/>
-          <a:p>
-            <a:pPr marL="0" lvl="0" indent="0" algn="l" rtl="0">
-              <a:spcBef>
-                <a:spcPts val="0"/>
-              </a:spcBef>
-              <a:spcAft>
-                <a:spcPts val="0"/>
-              </a:spcAft>
-              <a:buNone/>
-            </a:pPr>
-            <a:r>
-              <a:rPr lang="en" sz="800">
-                <a:highlight>
-                  <a:schemeClr val="lt1"/>
-                </a:highlight>
-              </a:rPr>
-              <a:t>ข้อมูลรายได้จาก income</a:t>
-            </a:r>
-            <a:endParaRPr sz="800">
-              <a:highlight>
-                <a:schemeClr val="lt1"/>
-              </a:highlight>
-            </a:endParaRPr>
-          </a:p>
-        </p:txBody>
-      </p:sp>
-      <p:sp>
-        <p:nvSpPr>
-          <p:cNvPr id="123" name="Google Shape;123;p13"/>
-          <p:cNvSpPr txBox="1"/>
-          <p:nvPr/>
-        </p:nvSpPr>
-        <p:spPr>
-          <a:xfrm>
-            <a:off x="6182800" y="1306288"/>
-            <a:ext cx="985200" cy="486600"/>
-          </a:xfrm>
-          <a:prstGeom prst="rect">
-            <a:avLst/>
-          </a:prstGeom>
-          <a:noFill/>
-          <a:ln>
-            <a:noFill/>
-          </a:ln>
-        </p:spPr>
-        <p:txBody>
-          <a:bodyPr spcFirstLastPara="1" wrap="square" lIns="91425" tIns="91425" rIns="91425" bIns="91425" anchor="ctr" anchorCtr="0">
-            <a:noAutofit/>
-          </a:bodyPr>
-          <a:lstStyle/>
-          <a:p>
-            <a:pPr marL="0" lvl="0" indent="0" algn="l" rtl="0">
-              <a:spcBef>
-                <a:spcPts val="0"/>
-              </a:spcBef>
-              <a:spcAft>
-                <a:spcPts val="0"/>
-              </a:spcAft>
-              <a:buNone/>
-            </a:pPr>
-            <a:r>
-              <a:rPr lang="en" sz="800">
-                <a:highlight>
-                  <a:schemeClr val="lt1"/>
-                </a:highlight>
-              </a:rPr>
-              <a:t>ข้อมูล product จาก geras</a:t>
-            </a:r>
-            <a:endParaRPr sz="800">
-              <a:highlight>
-                <a:schemeClr val="lt1"/>
-              </a:highlight>
-            </a:endParaRPr>
-          </a:p>
-        </p:txBody>
-      </p:sp>
-      <p:sp>
-        <p:nvSpPr>
-          <p:cNvPr id="113" name="Google Shape;113;p13"/>
-          <p:cNvSpPr/>
-          <p:nvPr/>
-        </p:nvSpPr>
-        <p:spPr>
-          <a:xfrm>
-            <a:off x="1859217" y="1880125"/>
-            <a:ext cx="1075800" cy="384300"/>
-          </a:xfrm>
-          <a:prstGeom prst="roundRect">
-            <a:avLst>
-              <a:gd name="adj" fmla="val 8420"/>
-            </a:avLst>
-          </a:prstGeom>
-          <a:solidFill>
-            <a:schemeClr val="lt1"/>
-          </a:solidFill>
-          <a:ln w="9525" cap="flat" cmpd="sng">
-            <a:solidFill>
-              <a:srgbClr val="000000"/>
-            </a:solidFill>
-            <a:prstDash val="solid"/>
-            <a:round/>
-            <a:headEnd type="none" w="sm" len="sm"/>
-            <a:tailEnd type="none" w="sm" len="sm"/>
-          </a:ln>
-        </p:spPr>
-        <p:txBody>
-          <a:bodyPr spcFirstLastPara="1" wrap="square" lIns="91425" tIns="91425" rIns="91425" bIns="91425" anchor="ctr" anchorCtr="0">
-            <a:noAutofit/>
-          </a:bodyPr>
-          <a:lstStyle/>
-          <a:p>
-            <a:pPr marL="0" lvl="0" indent="0" algn="ctr" rtl="0">
-              <a:spcBef>
-                <a:spcPts val="0"/>
-              </a:spcBef>
-              <a:spcAft>
-                <a:spcPts val="0"/>
-              </a:spcAft>
-              <a:buNone/>
-            </a:pPr>
-            <a:r>
-              <a:rPr lang="en" sz="1000"/>
-              <a:t>msa-scheduler</a:t>
-            </a:r>
-            <a:endParaRPr sz="1000"/>
-          </a:p>
-        </p:txBody>
-      </p:sp>
-      <p:cxnSp>
-        <p:nvCxnSpPr>
-          <p:cNvPr id="124" name="Google Shape;124;p13"/>
-          <p:cNvCxnSpPr>
-            <a:stCxn id="113" idx="3"/>
-            <a:endCxn id="56" idx="1"/>
-          </p:cNvCxnSpPr>
-          <p:nvPr/>
-        </p:nvCxnSpPr>
-        <p:spPr>
-          <a:xfrm>
-            <a:off x="2935017" y="2072275"/>
-            <a:ext cx="953700" cy="1500"/>
-          </a:xfrm>
-          <a:prstGeom prst="straightConnector1">
-            <a:avLst/>
-          </a:prstGeom>
-          <a:noFill/>
-          <a:ln w="9525" cap="flat" cmpd="sng">
-            <a:solidFill>
-              <a:schemeClr val="dk2"/>
-            </a:solidFill>
-            <a:prstDash val="solid"/>
-            <a:round/>
-            <a:headEnd type="none" w="med" len="med"/>
-            <a:tailEnd type="stealth" w="med" len="med"/>
-          </a:ln>
-        </p:spPr>
-      </p:cxnSp>
-      <p:sp>
-        <p:nvSpPr>
-          <p:cNvPr id="125" name="Google Shape;125;p13"/>
-          <p:cNvSpPr txBox="1"/>
-          <p:nvPr/>
-        </p:nvSpPr>
-        <p:spPr>
-          <a:xfrm>
-            <a:off x="2979825" y="1943925"/>
-            <a:ext cx="711600" cy="243900"/>
-          </a:xfrm>
-          <a:prstGeom prst="rect">
-            <a:avLst/>
-          </a:prstGeom>
-          <a:noFill/>
-          <a:ln>
-            <a:noFill/>
-          </a:ln>
-        </p:spPr>
-        <p:txBody>
-          <a:bodyPr spcFirstLastPara="1" wrap="square" lIns="91425" tIns="91425" rIns="91425" bIns="91425" anchor="ctr" anchorCtr="0">
-            <a:noAutofit/>
-          </a:bodyPr>
-          <a:lstStyle/>
-          <a:p>
-            <a:pPr marL="0" lvl="0" indent="0" algn="l" rtl="0">
-              <a:spcBef>
-                <a:spcPts val="0"/>
-              </a:spcBef>
-              <a:spcAft>
-                <a:spcPts val="0"/>
-              </a:spcAft>
-              <a:buNone/>
-            </a:pPr>
-            <a:r>
-              <a:rPr lang="en" sz="800">
-                <a:highlight>
-                  <a:schemeClr val="lt1"/>
-                </a:highlight>
-              </a:rPr>
-              <a:t>Tigger Job</a:t>
-            </a:r>
-            <a:endParaRPr sz="800">
-              <a:highlight>
-                <a:schemeClr val="lt1"/>
-              </a:highlight>
-            </a:endParaRPr>
-          </a:p>
-        </p:txBody>
-      </p:sp>
-    </p:spTree>
-  </p:cSld>
-  <p:clrMapOvr>
-    <a:masterClrMapping/>
-  </p:clrMapOvr>
-</p:sld>
-</file>
-
-<file path=ppt/slides/slide2.xml><?xml version="1.0" encoding="utf-8"?>
-<p:sld xmlns:a="http://schemas.openxmlformats.org/drawingml/2006/main" xmlns:r="http://schemas.openxmlformats.org/officeDocument/2006/relationships" xmlns:p="http://schemas.openxmlformats.org/presentationml/2006/main">
-  <p:cSld>
-    <p:spTree>
-      <p:nvGrpSpPr>
-        <p:cNvPr id="1" name="Shape 53"/>
-        <p:cNvGrpSpPr/>
-        <p:nvPr/>
-      </p:nvGrpSpPr>
-      <p:grpSpPr>
-        <a:xfrm>
-          <a:off x="0" y="0"/>
-          <a:ext cx="0" cy="0"/>
-          <a:chOff x="0" y="0"/>
-          <a:chExt cx="0" cy="0"/>
-        </a:xfrm>
-      </p:grpSpPr>
-      <p:cxnSp>
-        <p:nvCxnSpPr>
-          <p:cNvPr id="54" name="Google Shape;54;p13"/>
-          <p:cNvCxnSpPr>
-            <a:stCxn id="55" idx="1"/>
-            <a:endCxn id="56" idx="3"/>
-          </p:cNvCxnSpPr>
-          <p:nvPr/>
-        </p:nvCxnSpPr>
-        <p:spPr>
-          <a:xfrm rot="10800000">
-            <a:off x="5397925" y="2073864"/>
-            <a:ext cx="1493003" cy="311837"/>
-          </a:xfrm>
-          <a:prstGeom prst="bentConnector3">
-            <a:avLst>
-              <a:gd name="adj1" fmla="val 50000"/>
-            </a:avLst>
-          </a:prstGeom>
-          <a:noFill/>
-          <a:ln w="9525" cap="flat" cmpd="sng">
-            <a:solidFill>
-              <a:schemeClr val="dk2"/>
-            </a:solidFill>
-            <a:prstDash val="solid"/>
-            <a:round/>
-            <a:headEnd type="none" w="med" len="med"/>
-            <a:tailEnd type="stealth" w="med" len="med"/>
-          </a:ln>
-        </p:spPr>
-      </p:cxnSp>
-      <p:sp>
-        <p:nvSpPr>
-          <p:cNvPr id="57" name="Google Shape;57;p13"/>
-          <p:cNvSpPr/>
-          <p:nvPr/>
-        </p:nvSpPr>
-        <p:spPr>
-          <a:xfrm>
-            <a:off x="233650" y="589075"/>
-            <a:ext cx="825600" cy="918000"/>
-          </a:xfrm>
-          <a:prstGeom prst="rect">
-            <a:avLst/>
-          </a:prstGeom>
-          <a:noFill/>
-          <a:ln w="9525" cap="flat" cmpd="sng">
-            <a:solidFill>
-              <a:schemeClr val="dk2"/>
-            </a:solidFill>
-            <a:prstDash val="solid"/>
-            <a:round/>
-            <a:headEnd type="none" w="sm" len="sm"/>
-            <a:tailEnd type="none" w="sm" len="sm"/>
-          </a:ln>
-        </p:spPr>
-        <p:txBody>
-          <a:bodyPr spcFirstLastPara="1" wrap="square" lIns="91425" tIns="91425" rIns="91425" bIns="91425" anchor="ctr" anchorCtr="0">
-            <a:noAutofit/>
-          </a:bodyPr>
-          <a:lstStyle/>
-          <a:p>
-            <a:pPr marL="0" lvl="0" indent="0" algn="l" rtl="0">
-              <a:spcBef>
-                <a:spcPts val="0"/>
-              </a:spcBef>
-              <a:spcAft>
-                <a:spcPts val="0"/>
-              </a:spcAft>
-              <a:buNone/>
-            </a:pPr>
-            <a:endParaRPr/>
-          </a:p>
-        </p:txBody>
-      </p:sp>
-      <p:sp>
-        <p:nvSpPr>
-          <p:cNvPr id="58" name="Google Shape;58;p13"/>
-          <p:cNvSpPr/>
-          <p:nvPr/>
-        </p:nvSpPr>
-        <p:spPr>
-          <a:xfrm>
-            <a:off x="233650" y="3637075"/>
-            <a:ext cx="825600" cy="1160100"/>
-          </a:xfrm>
-          <a:prstGeom prst="rect">
-            <a:avLst/>
-          </a:prstGeom>
-          <a:noFill/>
-          <a:ln w="9525" cap="flat" cmpd="sng">
-            <a:solidFill>
-              <a:schemeClr val="dk2"/>
-            </a:solidFill>
-            <a:prstDash val="solid"/>
-            <a:round/>
-            <a:headEnd type="none" w="sm" len="sm"/>
-            <a:tailEnd type="none" w="sm" len="sm"/>
-          </a:ln>
-        </p:spPr>
-        <p:txBody>
-          <a:bodyPr spcFirstLastPara="1" wrap="square" lIns="91425" tIns="91425" rIns="91425" bIns="91425" anchor="ctr" anchorCtr="0">
-            <a:noAutofit/>
-          </a:bodyPr>
-          <a:lstStyle/>
-          <a:p>
-            <a:pPr marL="0" lvl="0" indent="0" algn="l" rtl="0">
-              <a:spcBef>
-                <a:spcPts val="0"/>
-              </a:spcBef>
-              <a:spcAft>
-                <a:spcPts val="0"/>
-              </a:spcAft>
-              <a:buNone/>
-            </a:pPr>
-            <a:endParaRPr/>
-          </a:p>
-        </p:txBody>
-      </p:sp>
-      <p:sp>
-        <p:nvSpPr>
-          <p:cNvPr id="59" name="Google Shape;59;p13"/>
-          <p:cNvSpPr txBox="1"/>
-          <p:nvPr/>
-        </p:nvSpPr>
-        <p:spPr>
-          <a:xfrm>
-            <a:off x="1255775" y="4471487"/>
-            <a:ext cx="917100" cy="294600"/>
-          </a:xfrm>
-          <a:prstGeom prst="rect">
-            <a:avLst/>
-          </a:prstGeom>
-          <a:solidFill>
-            <a:srgbClr val="FFFFFF"/>
-          </a:solidFill>
-          <a:ln>
-            <a:noFill/>
-          </a:ln>
-        </p:spPr>
-        <p:txBody>
-          <a:bodyPr spcFirstLastPara="1" wrap="square" lIns="91425" tIns="91425" rIns="91425" bIns="91425" anchor="ctr" anchorCtr="0">
-            <a:noAutofit/>
-          </a:bodyPr>
-          <a:lstStyle/>
-          <a:p>
-            <a:pPr marL="0" lvl="0" indent="0" algn="l" rtl="0">
-              <a:spcBef>
-                <a:spcPts val="0"/>
-              </a:spcBef>
-              <a:spcAft>
-                <a:spcPts val="0"/>
-              </a:spcAft>
-              <a:buNone/>
-            </a:pPr>
-            <a:r>
-              <a:rPr lang="en" sz="800">
-                <a:highlight>
-                  <a:schemeClr val="lt1"/>
-                </a:highlight>
-              </a:rPr>
-              <a:t>1.2 submit authen /getJWT</a:t>
-            </a:r>
-            <a:endParaRPr sz="800">
-              <a:highlight>
-                <a:schemeClr val="lt1"/>
-              </a:highlight>
-            </a:endParaRPr>
-          </a:p>
-        </p:txBody>
-      </p:sp>
-      <p:sp>
-        <p:nvSpPr>
-          <p:cNvPr id="60" name="Google Shape;60;p13"/>
-          <p:cNvSpPr/>
-          <p:nvPr/>
-        </p:nvSpPr>
-        <p:spPr>
-          <a:xfrm>
-            <a:off x="4413225" y="658927"/>
-            <a:ext cx="1016400" cy="428700"/>
-          </a:xfrm>
-          <a:prstGeom prst="rect">
-            <a:avLst/>
-          </a:prstGeom>
-          <a:solidFill>
-            <a:srgbClr val="FFFFFF"/>
-          </a:solidFill>
-          <a:ln w="9525" cap="flat" cmpd="sng">
-            <a:solidFill>
-              <a:srgbClr val="000000"/>
-            </a:solidFill>
-            <a:prstDash val="solid"/>
-            <a:round/>
-            <a:headEnd type="none" w="sm" len="sm"/>
-            <a:tailEnd type="none" w="sm" len="sm"/>
-          </a:ln>
-        </p:spPr>
-        <p:txBody>
-          <a:bodyPr spcFirstLastPara="1" wrap="square" lIns="91425" tIns="91425" rIns="91425" bIns="91425" anchor="ctr" anchorCtr="0">
-            <a:noAutofit/>
-          </a:bodyPr>
-          <a:lstStyle/>
-          <a:p>
-            <a:pPr marL="0" lvl="0" indent="0" algn="ctr" rtl="0">
-              <a:spcBef>
-                <a:spcPts val="0"/>
-              </a:spcBef>
-              <a:spcAft>
-                <a:spcPts val="0"/>
-              </a:spcAft>
-              <a:buNone/>
-            </a:pPr>
-            <a:r>
-              <a:rPr lang="en" sz="1000" b="1"/>
-              <a:t>Agent Portal</a:t>
-            </a:r>
-            <a:endParaRPr sz="1000" b="1"/>
-          </a:p>
-          <a:p>
-            <a:pPr marL="0" lvl="0" indent="0" algn="ctr" rtl="0">
-              <a:spcBef>
-                <a:spcPts val="0"/>
-              </a:spcBef>
-              <a:spcAft>
-                <a:spcPts val="0"/>
-              </a:spcAft>
-              <a:buNone/>
-            </a:pPr>
-            <a:r>
-              <a:rPr lang="en" sz="1000" b="1"/>
-              <a:t>(App)</a:t>
-            </a:r>
-            <a:endParaRPr sz="1000" b="1"/>
-          </a:p>
-        </p:txBody>
-      </p:sp>
-      <p:sp>
-        <p:nvSpPr>
-          <p:cNvPr id="61" name="Google Shape;61;p13"/>
-          <p:cNvSpPr/>
-          <p:nvPr/>
-        </p:nvSpPr>
-        <p:spPr>
-          <a:xfrm>
-            <a:off x="7798625" y="133500"/>
-            <a:ext cx="474300" cy="294600"/>
-          </a:xfrm>
-          <a:prstGeom prst="can">
-            <a:avLst>
-              <a:gd name="adj" fmla="val 25000"/>
-            </a:avLst>
-          </a:prstGeom>
-          <a:solidFill>
-            <a:srgbClr val="FFFFFF"/>
-          </a:solidFill>
-          <a:ln w="9525" cap="flat" cmpd="sng">
-            <a:solidFill>
-              <a:srgbClr val="000000"/>
-            </a:solidFill>
-            <a:prstDash val="solid"/>
-            <a:round/>
-            <a:headEnd type="none" w="sm" len="sm"/>
-            <a:tailEnd type="none" w="sm" len="sm"/>
-          </a:ln>
-        </p:spPr>
-        <p:txBody>
-          <a:bodyPr spcFirstLastPara="1" wrap="square" lIns="91425" tIns="91425" rIns="91425" bIns="91425" anchor="ctr" anchorCtr="0">
-            <a:noAutofit/>
-          </a:bodyPr>
-          <a:lstStyle/>
-          <a:p>
-            <a:pPr marL="0" lvl="0" indent="0" algn="ctr" rtl="0">
-              <a:spcBef>
-                <a:spcPts val="0"/>
-              </a:spcBef>
-              <a:spcAft>
-                <a:spcPts val="0"/>
-              </a:spcAft>
-              <a:buNone/>
-            </a:pPr>
-            <a:r>
-              <a:rPr lang="en" sz="800"/>
-              <a:t>LDAP</a:t>
-            </a:r>
-            <a:endParaRPr sz="800"/>
-          </a:p>
-        </p:txBody>
-      </p:sp>
-      <p:sp>
-        <p:nvSpPr>
-          <p:cNvPr id="62" name="Google Shape;62;p13"/>
-          <p:cNvSpPr/>
-          <p:nvPr/>
-        </p:nvSpPr>
-        <p:spPr>
-          <a:xfrm>
-            <a:off x="6653675" y="114150"/>
-            <a:ext cx="894000" cy="333300"/>
-          </a:xfrm>
-          <a:prstGeom prst="rect">
-            <a:avLst/>
-          </a:prstGeom>
-          <a:solidFill>
-            <a:srgbClr val="FFFFFF"/>
-          </a:solidFill>
-          <a:ln w="9525" cap="flat" cmpd="sng">
-            <a:solidFill>
-              <a:srgbClr val="000000"/>
-            </a:solidFill>
-            <a:prstDash val="solid"/>
-            <a:round/>
-            <a:headEnd type="none" w="sm" len="sm"/>
-            <a:tailEnd type="none" w="sm" len="sm"/>
-          </a:ln>
-        </p:spPr>
-        <p:txBody>
-          <a:bodyPr spcFirstLastPara="1" wrap="square" lIns="91425" tIns="91425" rIns="91425" bIns="91425" anchor="ctr" anchorCtr="0">
-            <a:noAutofit/>
-          </a:bodyPr>
-          <a:lstStyle/>
-          <a:p>
-            <a:pPr marL="0" lvl="0" indent="0" algn="ctr" rtl="0">
-              <a:spcBef>
-                <a:spcPts val="0"/>
-              </a:spcBef>
-              <a:spcAft>
-                <a:spcPts val="0"/>
-              </a:spcAft>
-              <a:buNone/>
-            </a:pPr>
-            <a:r>
-              <a:rPr lang="en" sz="1000"/>
-              <a:t>Ocean PAD</a:t>
-            </a:r>
-            <a:endParaRPr sz="1000"/>
-          </a:p>
-          <a:p>
-            <a:pPr marL="0" lvl="0" indent="0" algn="ctr" rtl="0">
-              <a:spcBef>
-                <a:spcPts val="0"/>
-              </a:spcBef>
-              <a:spcAft>
-                <a:spcPts val="0"/>
-              </a:spcAft>
-              <a:buNone/>
-            </a:pPr>
-            <a:r>
-              <a:rPr lang="en" sz="1000"/>
-              <a:t>(App)</a:t>
-            </a:r>
-            <a:endParaRPr sz="1000"/>
-          </a:p>
-        </p:txBody>
-      </p:sp>
-      <p:cxnSp>
-        <p:nvCxnSpPr>
-          <p:cNvPr id="63" name="Google Shape;63;p13"/>
-          <p:cNvCxnSpPr>
-            <a:stCxn id="62" idx="3"/>
-            <a:endCxn id="61" idx="2"/>
-          </p:cNvCxnSpPr>
-          <p:nvPr/>
-        </p:nvCxnSpPr>
-        <p:spPr>
-          <a:xfrm>
-            <a:off x="7547675" y="280800"/>
-            <a:ext cx="251100" cy="0"/>
-          </a:xfrm>
-          <a:prstGeom prst="straightConnector1">
-            <a:avLst/>
-          </a:prstGeom>
-          <a:noFill/>
-          <a:ln w="9525" cap="flat" cmpd="sng">
-            <a:solidFill>
-              <a:srgbClr val="B7B7B7"/>
-            </a:solidFill>
-            <a:prstDash val="solid"/>
-            <a:round/>
-            <a:headEnd type="none" w="med" len="med"/>
-            <a:tailEnd type="stealth" w="med" len="med"/>
-          </a:ln>
-        </p:spPr>
-      </p:cxnSp>
-      <p:sp>
-        <p:nvSpPr>
-          <p:cNvPr id="64" name="Google Shape;64;p13"/>
-          <p:cNvSpPr/>
-          <p:nvPr/>
-        </p:nvSpPr>
-        <p:spPr>
-          <a:xfrm>
-            <a:off x="3887812" y="3180160"/>
-            <a:ext cx="1509300" cy="384300"/>
-          </a:xfrm>
-          <a:prstGeom prst="roundRect">
-            <a:avLst>
-              <a:gd name="adj" fmla="val 8420"/>
-            </a:avLst>
-          </a:prstGeom>
-          <a:noFill/>
-          <a:ln w="9525" cap="flat" cmpd="sng">
-            <a:solidFill>
-              <a:srgbClr val="000000"/>
-            </a:solidFill>
-            <a:prstDash val="solid"/>
-            <a:round/>
-            <a:headEnd type="none" w="sm" len="sm"/>
-            <a:tailEnd type="none" w="sm" len="sm"/>
-          </a:ln>
-        </p:spPr>
-        <p:txBody>
-          <a:bodyPr spcFirstLastPara="1" wrap="square" lIns="91425" tIns="91425" rIns="91425" bIns="91425" anchor="ctr" anchorCtr="0">
-            <a:noAutofit/>
-          </a:bodyPr>
-          <a:lstStyle/>
-          <a:p>
-            <a:pPr marL="0" lvl="0" indent="0" algn="ctr" rtl="0">
-              <a:spcBef>
-                <a:spcPts val="0"/>
-              </a:spcBef>
-              <a:spcAft>
-                <a:spcPts val="0"/>
-              </a:spcAft>
-              <a:buNone/>
-            </a:pPr>
-            <a:r>
-              <a:rPr lang="en" sz="1000"/>
-              <a:t>msa-agentteam</a:t>
-            </a:r>
-            <a:endParaRPr sz="1000"/>
-          </a:p>
-        </p:txBody>
-      </p:sp>
-      <p:sp>
-        <p:nvSpPr>
-          <p:cNvPr id="65" name="Google Shape;65;p13"/>
-          <p:cNvSpPr/>
-          <p:nvPr/>
-        </p:nvSpPr>
-        <p:spPr>
-          <a:xfrm>
-            <a:off x="7802375" y="747130"/>
-            <a:ext cx="894000" cy="360900"/>
-          </a:xfrm>
-          <a:prstGeom prst="rect">
-            <a:avLst/>
-          </a:prstGeom>
-          <a:solidFill>
-            <a:srgbClr val="FFFFFF"/>
-          </a:solidFill>
-          <a:ln w="9525" cap="flat" cmpd="sng">
-            <a:solidFill>
-              <a:srgbClr val="000000"/>
-            </a:solidFill>
-            <a:prstDash val="solid"/>
-            <a:round/>
-            <a:headEnd type="none" w="sm" len="sm"/>
-            <a:tailEnd type="none" w="sm" len="sm"/>
-          </a:ln>
-        </p:spPr>
-        <p:txBody>
-          <a:bodyPr spcFirstLastPara="1" wrap="square" lIns="91425" tIns="91425" rIns="91425" bIns="91425" anchor="ctr" anchorCtr="0">
-            <a:noAutofit/>
-          </a:bodyPr>
-          <a:lstStyle/>
-          <a:p>
-            <a:pPr marL="0" lvl="0" indent="0" algn="ctr" rtl="0">
-              <a:spcBef>
-                <a:spcPts val="0"/>
-              </a:spcBef>
-              <a:spcAft>
-                <a:spcPts val="0"/>
-              </a:spcAft>
-              <a:buNone/>
-            </a:pPr>
-            <a:r>
-              <a:rPr lang="en" sz="1000"/>
-              <a:t>Income</a:t>
-            </a:r>
-            <a:endParaRPr sz="1000"/>
-          </a:p>
-        </p:txBody>
-      </p:sp>
-      <p:sp>
-        <p:nvSpPr>
-          <p:cNvPr id="66" name="Google Shape;66;p13"/>
-          <p:cNvSpPr/>
-          <p:nvPr/>
-        </p:nvSpPr>
-        <p:spPr>
-          <a:xfrm>
-            <a:off x="7437589" y="3994307"/>
-            <a:ext cx="894000" cy="360900"/>
-          </a:xfrm>
-          <a:prstGeom prst="rect">
-            <a:avLst/>
-          </a:prstGeom>
-          <a:solidFill>
-            <a:srgbClr val="FFFFFF"/>
-          </a:solidFill>
-          <a:ln w="9525" cap="flat" cmpd="sng">
-            <a:solidFill>
-              <a:srgbClr val="000000"/>
-            </a:solidFill>
-            <a:prstDash val="solid"/>
-            <a:round/>
-            <a:headEnd type="none" w="sm" len="sm"/>
-            <a:tailEnd type="none" w="sm" len="sm"/>
-          </a:ln>
-        </p:spPr>
-        <p:txBody>
-          <a:bodyPr spcFirstLastPara="1" wrap="square" lIns="91425" tIns="91425" rIns="91425" bIns="91425" anchor="ctr" anchorCtr="0">
-            <a:noAutofit/>
-          </a:bodyPr>
-          <a:lstStyle/>
-          <a:p>
-            <a:pPr marL="0" lvl="0" indent="0" algn="ctr" rtl="0">
-              <a:spcBef>
-                <a:spcPts val="0"/>
-              </a:spcBef>
-              <a:spcAft>
-                <a:spcPts val="0"/>
-              </a:spcAft>
-              <a:buNone/>
-            </a:pPr>
-            <a:r>
-              <a:rPr lang="en" sz="1000"/>
-              <a:t>AS400</a:t>
-            </a:r>
-            <a:endParaRPr sz="1000"/>
-          </a:p>
-        </p:txBody>
-      </p:sp>
-      <p:sp>
-        <p:nvSpPr>
-          <p:cNvPr id="55" name="Google Shape;55;p13"/>
-          <p:cNvSpPr/>
-          <p:nvPr/>
-        </p:nvSpPr>
-        <p:spPr>
-          <a:xfrm>
-            <a:off x="6890927" y="2219050"/>
-            <a:ext cx="615000" cy="333300"/>
-          </a:xfrm>
-          <a:prstGeom prst="rect">
-            <a:avLst/>
-          </a:prstGeom>
-          <a:solidFill>
-            <a:srgbClr val="FFFFFF"/>
-          </a:solidFill>
-          <a:ln w="9525" cap="flat" cmpd="sng">
-            <a:solidFill>
-              <a:srgbClr val="000000"/>
-            </a:solidFill>
-            <a:prstDash val="solid"/>
-            <a:round/>
-            <a:headEnd type="none" w="sm" len="sm"/>
-            <a:tailEnd type="none" w="sm" len="sm"/>
-          </a:ln>
-        </p:spPr>
-        <p:txBody>
-          <a:bodyPr spcFirstLastPara="1" wrap="square" lIns="91425" tIns="91425" rIns="91425" bIns="91425" anchor="ctr" anchorCtr="0">
-            <a:noAutofit/>
-          </a:bodyPr>
-          <a:lstStyle/>
-          <a:p>
-            <a:pPr marL="0" lvl="0" indent="0" algn="ctr" rtl="0">
-              <a:spcBef>
-                <a:spcPts val="0"/>
-              </a:spcBef>
-              <a:spcAft>
-                <a:spcPts val="0"/>
-              </a:spcAft>
-              <a:buNone/>
-            </a:pPr>
-            <a:r>
-              <a:rPr lang="en" sz="1000"/>
-              <a:t>ESB</a:t>
-            </a:r>
-            <a:endParaRPr sz="1000"/>
-          </a:p>
-        </p:txBody>
-      </p:sp>
-      <p:cxnSp>
-        <p:nvCxnSpPr>
-          <p:cNvPr id="67" name="Google Shape;67;p13"/>
-          <p:cNvCxnSpPr>
-            <a:endCxn id="68" idx="1"/>
-          </p:cNvCxnSpPr>
-          <p:nvPr/>
-        </p:nvCxnSpPr>
-        <p:spPr>
-          <a:xfrm rot="10800000" flipH="1">
-            <a:off x="1060925" y="4074150"/>
-            <a:ext cx="1296300" cy="6900"/>
-          </a:xfrm>
-          <a:prstGeom prst="straightConnector1">
-            <a:avLst/>
-          </a:prstGeom>
-          <a:noFill/>
-          <a:ln w="9525" cap="flat" cmpd="sng">
-            <a:solidFill>
-              <a:schemeClr val="dk2"/>
-            </a:solidFill>
-            <a:prstDash val="solid"/>
-            <a:round/>
-            <a:headEnd type="none" w="med" len="med"/>
-            <a:tailEnd type="triangle" w="med" len="med"/>
-          </a:ln>
-        </p:spPr>
-      </p:cxnSp>
-      <p:cxnSp>
-        <p:nvCxnSpPr>
-          <p:cNvPr id="69" name="Google Shape;69;p13"/>
-          <p:cNvCxnSpPr>
-            <a:cxnSpLocks/>
-            <a:endCxn id="66" idx="1"/>
-          </p:cNvCxnSpPr>
-          <p:nvPr/>
-        </p:nvCxnSpPr>
-        <p:spPr>
-          <a:xfrm>
-            <a:off x="7369756" y="2568094"/>
-            <a:ext cx="67833" cy="1606663"/>
-          </a:xfrm>
-          <a:prstGeom prst="straightConnector1">
-            <a:avLst/>
-          </a:prstGeom>
-          <a:noFill/>
-          <a:ln w="9525" cap="flat" cmpd="sng">
-            <a:solidFill>
-              <a:schemeClr val="dk2"/>
-            </a:solidFill>
-            <a:prstDash val="solid"/>
-            <a:round/>
-            <a:headEnd type="stealth" w="med" len="med"/>
-            <a:tailEnd type="none" w="med" len="med"/>
-          </a:ln>
-        </p:spPr>
-      </p:cxnSp>
-      <p:sp>
-        <p:nvSpPr>
-          <p:cNvPr id="70" name="Google Shape;70;p13"/>
-          <p:cNvSpPr txBox="1"/>
-          <p:nvPr/>
-        </p:nvSpPr>
-        <p:spPr>
-          <a:xfrm>
-            <a:off x="1259411" y="3909066"/>
-            <a:ext cx="894000" cy="452100"/>
-          </a:xfrm>
-          <a:prstGeom prst="rect">
-            <a:avLst/>
-          </a:prstGeom>
-          <a:noFill/>
-          <a:ln>
-            <a:noFill/>
-          </a:ln>
-        </p:spPr>
-        <p:txBody>
-          <a:bodyPr spcFirstLastPara="1" wrap="square" lIns="91425" tIns="91425" rIns="91425" bIns="91425" anchor="ctr" anchorCtr="0">
-            <a:noAutofit/>
-          </a:bodyPr>
-          <a:lstStyle/>
-          <a:p>
-            <a:pPr marL="0" lvl="0" indent="0" algn="l" rtl="0">
-              <a:spcBef>
-                <a:spcPts val="0"/>
-              </a:spcBef>
-              <a:spcAft>
-                <a:spcPts val="0"/>
-              </a:spcAft>
-              <a:buNone/>
-            </a:pPr>
-            <a:r>
-              <a:rPr lang="en" sz="800">
-                <a:highlight>
-                  <a:schemeClr val="lt1"/>
-                </a:highlight>
-              </a:rPr>
-              <a:t>1.1 Input Username &amp; password</a:t>
-            </a:r>
-            <a:endParaRPr sz="800">
-              <a:highlight>
-                <a:schemeClr val="lt1"/>
-              </a:highlight>
-            </a:endParaRPr>
-          </a:p>
-        </p:txBody>
-      </p:sp>
-      <p:sp>
-        <p:nvSpPr>
-          <p:cNvPr id="71" name="Google Shape;71;p13"/>
-          <p:cNvSpPr txBox="1"/>
-          <p:nvPr/>
-        </p:nvSpPr>
-        <p:spPr>
-          <a:xfrm>
-            <a:off x="175025" y="54600"/>
-            <a:ext cx="4947300" cy="353400"/>
-          </a:xfrm>
-          <a:prstGeom prst="rect">
-            <a:avLst/>
-          </a:prstGeom>
-          <a:noFill/>
-          <a:ln>
-            <a:noFill/>
-          </a:ln>
-        </p:spPr>
-        <p:txBody>
-          <a:bodyPr spcFirstLastPara="1" wrap="square" lIns="91425" tIns="91425" rIns="91425" bIns="91425" anchor="t" anchorCtr="0">
-            <a:noAutofit/>
-          </a:bodyPr>
-          <a:lstStyle/>
-          <a:p>
-            <a:pPr marL="0" lvl="0" indent="0" algn="l" rtl="0">
-              <a:spcBef>
-                <a:spcPts val="0"/>
-              </a:spcBef>
-              <a:spcAft>
-                <a:spcPts val="0"/>
-              </a:spcAft>
-              <a:buNone/>
-            </a:pPr>
-            <a:r>
-              <a:rPr lang="en" b="1">
-                <a:solidFill>
-                  <a:schemeClr val="dk1"/>
-                </a:solidFill>
-              </a:rPr>
-              <a:t>Agent Portal v2. </a:t>
-            </a:r>
-            <a:endParaRPr b="1"/>
-          </a:p>
-        </p:txBody>
-      </p:sp>
-      <p:sp>
-        <p:nvSpPr>
-          <p:cNvPr id="68" name="Google Shape;68;p13"/>
-          <p:cNvSpPr/>
-          <p:nvPr/>
-        </p:nvSpPr>
-        <p:spPr>
-          <a:xfrm>
-            <a:off x="2357225" y="3882000"/>
-            <a:ext cx="1169700" cy="384300"/>
-          </a:xfrm>
-          <a:prstGeom prst="roundRect">
-            <a:avLst>
-              <a:gd name="adj" fmla="val 8420"/>
-            </a:avLst>
-          </a:prstGeom>
-          <a:noFill/>
-          <a:ln w="9525" cap="flat" cmpd="sng">
-            <a:solidFill>
-              <a:srgbClr val="000000"/>
-            </a:solidFill>
-            <a:prstDash val="solid"/>
-            <a:round/>
-            <a:headEnd type="none" w="sm" len="sm"/>
-            <a:tailEnd type="none" w="sm" len="sm"/>
-          </a:ln>
-        </p:spPr>
-        <p:txBody>
-          <a:bodyPr spcFirstLastPara="1" wrap="square" lIns="91425" tIns="91425" rIns="91425" bIns="91425" anchor="ctr" anchorCtr="0">
-            <a:noAutofit/>
-          </a:bodyPr>
-          <a:lstStyle/>
-          <a:p>
-            <a:pPr marL="0" lvl="0" indent="0" algn="ctr" rtl="0">
-              <a:spcBef>
-                <a:spcPts val="0"/>
-              </a:spcBef>
-              <a:spcAft>
-                <a:spcPts val="0"/>
-              </a:spcAft>
-              <a:buNone/>
-            </a:pPr>
-            <a:r>
-              <a:rPr lang="en" sz="1000"/>
-              <a:t>msa-nbsportal</a:t>
-            </a:r>
-            <a:endParaRPr sz="1000"/>
-          </a:p>
-        </p:txBody>
-      </p:sp>
-      <p:cxnSp>
-        <p:nvCxnSpPr>
-          <p:cNvPr id="72" name="Google Shape;72;p13"/>
-          <p:cNvCxnSpPr>
-            <a:endCxn id="62" idx="1"/>
-          </p:cNvCxnSpPr>
-          <p:nvPr/>
-        </p:nvCxnSpPr>
-        <p:spPr>
-          <a:xfrm rot="10800000" flipH="1">
-            <a:off x="5420975" y="280800"/>
-            <a:ext cx="1232700" cy="405000"/>
-          </a:xfrm>
-          <a:prstGeom prst="bentConnector3">
-            <a:avLst>
-              <a:gd name="adj1" fmla="val 50000"/>
-            </a:avLst>
-          </a:prstGeom>
-          <a:noFill/>
-          <a:ln w="9525" cap="flat" cmpd="sng">
-            <a:solidFill>
-              <a:srgbClr val="B7B7B7"/>
-            </a:solidFill>
-            <a:prstDash val="solid"/>
-            <a:round/>
-            <a:headEnd type="none" w="med" len="med"/>
-            <a:tailEnd type="stealth" w="med" len="med"/>
-          </a:ln>
-        </p:spPr>
-      </p:cxnSp>
-      <p:cxnSp>
-        <p:nvCxnSpPr>
-          <p:cNvPr id="73" name="Google Shape;73;p13"/>
-          <p:cNvCxnSpPr>
-            <a:stCxn id="55" idx="3"/>
-            <a:endCxn id="74" idx="2"/>
-          </p:cNvCxnSpPr>
-          <p:nvPr/>
-        </p:nvCxnSpPr>
-        <p:spPr>
-          <a:xfrm flipV="1">
-            <a:off x="7505927" y="1079736"/>
-            <a:ext cx="152333" cy="1305964"/>
-          </a:xfrm>
-          <a:prstGeom prst="bentConnector2">
-            <a:avLst/>
-          </a:prstGeom>
-          <a:noFill/>
-          <a:ln w="9525" cap="flat" cmpd="sng">
-            <a:solidFill>
-              <a:schemeClr val="dk2"/>
-            </a:solidFill>
-            <a:prstDash val="solid"/>
-            <a:round/>
-            <a:headEnd type="stealth" w="med" len="med"/>
-            <a:tailEnd type="none" w="med" len="med"/>
-          </a:ln>
-        </p:spPr>
-      </p:cxnSp>
-      <p:sp>
-        <p:nvSpPr>
-          <p:cNvPr id="75" name="Google Shape;75;p13"/>
-          <p:cNvSpPr/>
-          <p:nvPr/>
-        </p:nvSpPr>
-        <p:spPr>
-          <a:xfrm>
-            <a:off x="3893925" y="3634226"/>
-            <a:ext cx="1509300" cy="384300"/>
-          </a:xfrm>
-          <a:prstGeom prst="roundRect">
-            <a:avLst>
-              <a:gd name="adj" fmla="val 8420"/>
-            </a:avLst>
-          </a:prstGeom>
-          <a:noFill/>
-          <a:ln w="9525" cap="flat" cmpd="sng">
-            <a:solidFill>
-              <a:srgbClr val="000000"/>
-            </a:solidFill>
-            <a:prstDash val="solid"/>
-            <a:round/>
-            <a:headEnd type="none" w="sm" len="sm"/>
-            <a:tailEnd type="none" w="sm" len="sm"/>
-          </a:ln>
-        </p:spPr>
-        <p:txBody>
-          <a:bodyPr spcFirstLastPara="1" wrap="square" lIns="91425" tIns="91425" rIns="91425" bIns="91425" anchor="ctr" anchorCtr="0">
-            <a:noAutofit/>
-          </a:bodyPr>
-          <a:lstStyle/>
-          <a:p>
-            <a:pPr marL="0" lvl="0" indent="0" algn="ctr" rtl="0">
-              <a:spcBef>
-                <a:spcPts val="0"/>
-              </a:spcBef>
-              <a:spcAft>
-                <a:spcPts val="0"/>
-              </a:spcAft>
-              <a:buNone/>
-            </a:pPr>
-            <a:r>
-              <a:rPr lang="en" sz="1000">
-                <a:solidFill>
-                  <a:schemeClr val="dk1"/>
-                </a:solidFill>
-              </a:rPr>
-              <a:t>msa-agentnewskm</a:t>
-            </a:r>
-            <a:endParaRPr sz="1000"/>
-          </a:p>
-        </p:txBody>
-      </p:sp>
-      <p:sp>
-        <p:nvSpPr>
-          <p:cNvPr id="76" name="Google Shape;76;p13"/>
-          <p:cNvSpPr/>
-          <p:nvPr/>
-        </p:nvSpPr>
-        <p:spPr>
-          <a:xfrm>
-            <a:off x="2357225" y="4429308"/>
-            <a:ext cx="1169700" cy="384300"/>
-          </a:xfrm>
-          <a:prstGeom prst="roundRect">
-            <a:avLst>
-              <a:gd name="adj" fmla="val 8420"/>
-            </a:avLst>
-          </a:prstGeom>
-          <a:noFill/>
-          <a:ln w="9525" cap="flat" cmpd="sng">
-            <a:solidFill>
-              <a:srgbClr val="000000"/>
-            </a:solidFill>
-            <a:prstDash val="solid"/>
-            <a:round/>
-            <a:headEnd type="none" w="sm" len="sm"/>
-            <a:tailEnd type="none" w="sm" len="sm"/>
-          </a:ln>
-        </p:spPr>
-        <p:txBody>
-          <a:bodyPr spcFirstLastPara="1" wrap="square" lIns="91425" tIns="91425" rIns="91425" bIns="91425" anchor="ctr" anchorCtr="0">
-            <a:noAutofit/>
-          </a:bodyPr>
-          <a:lstStyle/>
-          <a:p>
-            <a:pPr marL="0" lvl="0" indent="0" algn="ctr" rtl="0">
-              <a:spcBef>
-                <a:spcPts val="0"/>
-              </a:spcBef>
-              <a:spcAft>
-                <a:spcPts val="0"/>
-              </a:spcAft>
-              <a:buNone/>
-            </a:pPr>
-            <a:r>
-              <a:rPr lang="en" sz="1000"/>
-              <a:t>msa-oliauth</a:t>
-            </a:r>
-            <a:endParaRPr sz="1000"/>
-          </a:p>
-        </p:txBody>
-      </p:sp>
-      <p:sp>
-        <p:nvSpPr>
-          <p:cNvPr id="77" name="Google Shape;77;p13"/>
-          <p:cNvSpPr/>
-          <p:nvPr/>
-        </p:nvSpPr>
-        <p:spPr>
-          <a:xfrm>
-            <a:off x="3893925" y="4281703"/>
-            <a:ext cx="1509300" cy="384300"/>
-          </a:xfrm>
-          <a:prstGeom prst="roundRect">
-            <a:avLst>
-              <a:gd name="adj" fmla="val 8420"/>
-            </a:avLst>
-          </a:prstGeom>
-          <a:noFill/>
-          <a:ln w="9525" cap="flat" cmpd="sng">
-            <a:solidFill>
-              <a:srgbClr val="000000"/>
-            </a:solidFill>
-            <a:prstDash val="solid"/>
-            <a:round/>
-            <a:headEnd type="none" w="sm" len="sm"/>
-            <a:tailEnd type="none" w="sm" len="sm"/>
-          </a:ln>
-        </p:spPr>
-        <p:txBody>
-          <a:bodyPr spcFirstLastPara="1" wrap="square" lIns="91425" tIns="91425" rIns="91425" bIns="91425" anchor="ctr" anchorCtr="0">
-            <a:noAutofit/>
-          </a:bodyPr>
-          <a:lstStyle/>
-          <a:p>
-            <a:pPr marL="0" lvl="0" indent="0" algn="ctr" rtl="0">
-              <a:spcBef>
-                <a:spcPts val="0"/>
-              </a:spcBef>
-              <a:spcAft>
-                <a:spcPts val="0"/>
-              </a:spcAft>
-              <a:buNone/>
-            </a:pPr>
-            <a:r>
-              <a:rPr lang="en" sz="1000">
-                <a:solidFill>
-                  <a:schemeClr val="dk1"/>
-                </a:solidFill>
-              </a:rPr>
-              <a:t>msa-seaweedgw</a:t>
-            </a:r>
-            <a:endParaRPr sz="1000"/>
-          </a:p>
-        </p:txBody>
-      </p:sp>
-      <p:cxnSp>
-        <p:nvCxnSpPr>
-          <p:cNvPr id="78" name="Google Shape;78;p13"/>
-          <p:cNvCxnSpPr>
-            <a:endCxn id="76" idx="1"/>
-          </p:cNvCxnSpPr>
-          <p:nvPr/>
-        </p:nvCxnSpPr>
-        <p:spPr>
-          <a:xfrm>
-            <a:off x="1068125" y="4379058"/>
-            <a:ext cx="1289100" cy="242400"/>
-          </a:xfrm>
-          <a:prstGeom prst="bentConnector3">
-            <a:avLst>
-              <a:gd name="adj1" fmla="val 8277"/>
-            </a:avLst>
-          </a:prstGeom>
-          <a:noFill/>
-          <a:ln w="9525" cap="flat" cmpd="sng">
-            <a:solidFill>
-              <a:schemeClr val="dk2"/>
-            </a:solidFill>
-            <a:prstDash val="solid"/>
-            <a:round/>
-            <a:headEnd type="none" w="med" len="med"/>
-            <a:tailEnd type="triangle" w="med" len="med"/>
-          </a:ln>
-        </p:spPr>
-      </p:cxnSp>
-      <p:cxnSp>
-        <p:nvCxnSpPr>
-          <p:cNvPr id="79" name="Google Shape;79;p13"/>
-          <p:cNvCxnSpPr>
-            <a:stCxn id="75" idx="2"/>
-          </p:cNvCxnSpPr>
-          <p:nvPr/>
-        </p:nvCxnSpPr>
-        <p:spPr>
-          <a:xfrm flipH="1">
-            <a:off x="4642875" y="4018526"/>
-            <a:ext cx="5700" cy="285000"/>
-          </a:xfrm>
-          <a:prstGeom prst="straightConnector1">
-            <a:avLst/>
-          </a:prstGeom>
-          <a:noFill/>
-          <a:ln w="9525" cap="flat" cmpd="sng">
-            <a:solidFill>
-              <a:schemeClr val="dk2"/>
-            </a:solidFill>
-            <a:prstDash val="solid"/>
-            <a:round/>
-            <a:headEnd type="none" w="med" len="med"/>
-            <a:tailEnd type="stealth" w="med" len="med"/>
-          </a:ln>
-        </p:spPr>
-      </p:cxnSp>
-      <p:sp>
-        <p:nvSpPr>
-          <p:cNvPr id="80" name="Google Shape;80;p13"/>
-          <p:cNvSpPr txBox="1"/>
-          <p:nvPr/>
-        </p:nvSpPr>
-        <p:spPr>
-          <a:xfrm>
-            <a:off x="4210084" y="4034050"/>
-            <a:ext cx="894000" cy="186600"/>
-          </a:xfrm>
-          <a:prstGeom prst="rect">
-            <a:avLst/>
-          </a:prstGeom>
-          <a:noFill/>
-          <a:ln>
-            <a:noFill/>
-          </a:ln>
-        </p:spPr>
-        <p:txBody>
-          <a:bodyPr spcFirstLastPara="1" wrap="square" lIns="0" tIns="0" rIns="0" bIns="0" anchor="ctr" anchorCtr="0">
-            <a:noAutofit/>
-          </a:bodyPr>
-          <a:lstStyle/>
-          <a:p>
-            <a:pPr marL="0" lvl="0" indent="0" algn="ctr" rtl="0">
-              <a:spcBef>
-                <a:spcPts val="0"/>
-              </a:spcBef>
-              <a:spcAft>
-                <a:spcPts val="0"/>
-              </a:spcAft>
-              <a:buNone/>
-            </a:pPr>
-            <a:r>
-              <a:rPr lang="en" sz="800">
-                <a:highlight>
-                  <a:schemeClr val="lt1"/>
-                </a:highlight>
-                <a:latin typeface="Tahoma"/>
-                <a:ea typeface="Tahoma"/>
-                <a:cs typeface="Tahoma"/>
-                <a:sym typeface="Tahoma"/>
-              </a:rPr>
-              <a:t>Read/Write file</a:t>
-            </a:r>
-            <a:endParaRPr sz="800">
-              <a:highlight>
-                <a:schemeClr val="lt1"/>
-              </a:highlight>
-              <a:latin typeface="Tahoma"/>
-              <a:ea typeface="Tahoma"/>
-              <a:cs typeface="Tahoma"/>
-              <a:sym typeface="Tahoma"/>
-            </a:endParaRPr>
-          </a:p>
-        </p:txBody>
-      </p:sp>
-      <p:grpSp>
-        <p:nvGrpSpPr>
-          <p:cNvPr id="81" name="Google Shape;81;p13"/>
-          <p:cNvGrpSpPr/>
-          <p:nvPr/>
-        </p:nvGrpSpPr>
-        <p:grpSpPr>
-          <a:xfrm>
-            <a:off x="211650" y="624525"/>
-            <a:ext cx="825600" cy="843600"/>
-            <a:chOff x="211650" y="624525"/>
-            <a:chExt cx="825600" cy="843600"/>
-          </a:xfrm>
-        </p:grpSpPr>
-        <p:sp>
-          <p:nvSpPr>
-            <p:cNvPr id="82" name="Google Shape;82;p13"/>
-            <p:cNvSpPr txBox="1"/>
-            <p:nvPr/>
-          </p:nvSpPr>
-          <p:spPr>
-            <a:xfrm>
-              <a:off x="211650" y="1229325"/>
-              <a:ext cx="825600" cy="238800"/>
-            </a:xfrm>
-            <a:prstGeom prst="rect">
-              <a:avLst/>
-            </a:prstGeom>
-            <a:noFill/>
-            <a:ln>
-              <a:noFill/>
-            </a:ln>
-          </p:spPr>
-          <p:txBody>
-            <a:bodyPr spcFirstLastPara="1" wrap="square" lIns="91425" tIns="91425" rIns="91425" bIns="91425" anchor="ctr" anchorCtr="0">
-              <a:noAutofit/>
-            </a:bodyPr>
-            <a:lstStyle/>
-            <a:p>
-              <a:pPr marL="0" lvl="0" indent="0" algn="ctr" rtl="0">
-                <a:spcBef>
-                  <a:spcPts val="0"/>
-                </a:spcBef>
-                <a:spcAft>
-                  <a:spcPts val="0"/>
-                </a:spcAft>
-                <a:buNone/>
-              </a:pPr>
-              <a:r>
-                <a:rPr lang="en"/>
-                <a:t>Agent</a:t>
-              </a:r>
-              <a:endParaRPr/>
-            </a:p>
-          </p:txBody>
-        </p:sp>
-        <p:pic>
-          <p:nvPicPr>
-            <p:cNvPr id="83" name="Google Shape;83;p13"/>
-            <p:cNvPicPr preferRelativeResize="0"/>
-            <p:nvPr/>
-          </p:nvPicPr>
-          <p:blipFill>
-            <a:blip r:embed="rId3">
-              <a:alphaModFix/>
-            </a:blip>
-            <a:stretch>
-              <a:fillRect/>
-            </a:stretch>
-          </p:blipFill>
-          <p:spPr>
-            <a:xfrm>
-              <a:off x="307504" y="624525"/>
-              <a:ext cx="633900" cy="633900"/>
-            </a:xfrm>
-            <a:prstGeom prst="rect">
-              <a:avLst/>
-            </a:prstGeom>
-            <a:noFill/>
-            <a:ln>
-              <a:noFill/>
-            </a:ln>
-          </p:spPr>
-        </p:pic>
-      </p:grpSp>
-      <p:sp>
-        <p:nvSpPr>
-          <p:cNvPr id="84" name="Google Shape;84;p13"/>
-          <p:cNvSpPr txBox="1"/>
-          <p:nvPr/>
-        </p:nvSpPr>
-        <p:spPr>
-          <a:xfrm>
-            <a:off x="206575" y="4310125"/>
-            <a:ext cx="894000" cy="353400"/>
-          </a:xfrm>
-          <a:prstGeom prst="rect">
-            <a:avLst/>
-          </a:prstGeom>
-          <a:noFill/>
-          <a:ln>
-            <a:noFill/>
-          </a:ln>
-        </p:spPr>
-        <p:txBody>
-          <a:bodyPr spcFirstLastPara="1" wrap="square" lIns="91425" tIns="91425" rIns="91425" bIns="91425" anchor="ctr" anchorCtr="0">
-            <a:noAutofit/>
-          </a:bodyPr>
-          <a:lstStyle/>
-          <a:p>
-            <a:pPr marL="0" lvl="0" indent="0" algn="ctr" rtl="0">
-              <a:spcBef>
-                <a:spcPts val="0"/>
-              </a:spcBef>
-              <a:spcAft>
-                <a:spcPts val="0"/>
-              </a:spcAft>
-              <a:buNone/>
-            </a:pPr>
-            <a:r>
-              <a:rPr lang="en" sz="1000">
-                <a:latin typeface="Tahoma"/>
-                <a:ea typeface="Tahoma"/>
-                <a:cs typeface="Tahoma"/>
-                <a:sym typeface="Tahoma"/>
-              </a:rPr>
-              <a:t>Master &amp; Admin</a:t>
-            </a:r>
-            <a:endParaRPr sz="1000">
-              <a:latin typeface="Tahoma"/>
-              <a:ea typeface="Tahoma"/>
-              <a:cs typeface="Tahoma"/>
-              <a:sym typeface="Tahoma"/>
-            </a:endParaRPr>
-          </a:p>
-        </p:txBody>
-      </p:sp>
-      <p:pic>
-        <p:nvPicPr>
-          <p:cNvPr id="85" name="Google Shape;85;p13"/>
-          <p:cNvPicPr preferRelativeResize="0"/>
-          <p:nvPr/>
-        </p:nvPicPr>
-        <p:blipFill>
-          <a:blip r:embed="rId3">
-            <a:alphaModFix/>
-          </a:blip>
-          <a:stretch>
-            <a:fillRect/>
-          </a:stretch>
-        </p:blipFill>
-        <p:spPr>
-          <a:xfrm>
-            <a:off x="336629" y="3757200"/>
-            <a:ext cx="633900" cy="633900"/>
-          </a:xfrm>
-          <a:prstGeom prst="rect">
-            <a:avLst/>
-          </a:prstGeom>
-          <a:noFill/>
-          <a:ln>
-            <a:noFill/>
-          </a:ln>
-        </p:spPr>
-      </p:pic>
-      <p:cxnSp>
-        <p:nvCxnSpPr>
-          <p:cNvPr id="86" name="Google Shape;86;p13"/>
-          <p:cNvCxnSpPr>
-            <a:endCxn id="64" idx="1"/>
-          </p:cNvCxnSpPr>
-          <p:nvPr/>
-        </p:nvCxnSpPr>
-        <p:spPr>
-          <a:xfrm rot="10800000" flipH="1">
-            <a:off x="1064812" y="3372310"/>
-            <a:ext cx="2823000" cy="444300"/>
-          </a:xfrm>
-          <a:prstGeom prst="bentConnector3">
-            <a:avLst>
-              <a:gd name="adj1" fmla="val 4750"/>
-            </a:avLst>
-          </a:prstGeom>
-          <a:noFill/>
-          <a:ln w="9525" cap="flat" cmpd="sng">
-            <a:solidFill>
-              <a:schemeClr val="dk2"/>
-            </a:solidFill>
-            <a:prstDash val="solid"/>
-            <a:round/>
-            <a:headEnd type="none" w="med" len="med"/>
-            <a:tailEnd type="stealth" w="med" len="med"/>
-          </a:ln>
-        </p:spPr>
-      </p:cxnSp>
-      <p:sp>
-        <p:nvSpPr>
-          <p:cNvPr id="87" name="Google Shape;87;p13"/>
-          <p:cNvSpPr/>
-          <p:nvPr/>
-        </p:nvSpPr>
-        <p:spPr>
-          <a:xfrm>
-            <a:off x="6788125" y="4781400"/>
-            <a:ext cx="474300" cy="294600"/>
-          </a:xfrm>
-          <a:prstGeom prst="can">
-            <a:avLst>
-              <a:gd name="adj" fmla="val 25000"/>
-            </a:avLst>
-          </a:prstGeom>
-          <a:solidFill>
-            <a:srgbClr val="FFFFFF"/>
-          </a:solidFill>
-          <a:ln w="9525" cap="flat" cmpd="sng">
-            <a:solidFill>
-              <a:srgbClr val="000000"/>
-            </a:solidFill>
-            <a:prstDash val="solid"/>
-            <a:round/>
-            <a:headEnd type="none" w="sm" len="sm"/>
-            <a:tailEnd type="none" w="sm" len="sm"/>
-          </a:ln>
-        </p:spPr>
-        <p:txBody>
-          <a:bodyPr spcFirstLastPara="1" wrap="square" lIns="91425" tIns="91425" rIns="91425" bIns="91425" anchor="ctr" anchorCtr="0">
-            <a:noAutofit/>
-          </a:bodyPr>
-          <a:lstStyle/>
-          <a:p>
-            <a:pPr marL="0" lvl="0" indent="0" algn="ctr" rtl="0">
-              <a:spcBef>
-                <a:spcPts val="0"/>
-              </a:spcBef>
-              <a:spcAft>
-                <a:spcPts val="0"/>
-              </a:spcAft>
-              <a:buNone/>
-            </a:pPr>
-            <a:r>
-              <a:rPr lang="en" sz="1000"/>
-              <a:t>AD</a:t>
-            </a:r>
-            <a:endParaRPr sz="1000"/>
-          </a:p>
-        </p:txBody>
-      </p:sp>
-      <p:cxnSp>
-        <p:nvCxnSpPr>
-          <p:cNvPr id="88" name="Google Shape;88;p13"/>
-          <p:cNvCxnSpPr>
-            <a:stCxn id="76" idx="2"/>
-            <a:endCxn id="87" idx="2"/>
-          </p:cNvCxnSpPr>
-          <p:nvPr/>
-        </p:nvCxnSpPr>
-        <p:spPr>
-          <a:xfrm rot="-5400000" flipH="1">
-            <a:off x="4807475" y="2948208"/>
-            <a:ext cx="115200" cy="3846000"/>
-          </a:xfrm>
-          <a:prstGeom prst="bentConnector2">
-            <a:avLst/>
-          </a:prstGeom>
-          <a:noFill/>
-          <a:ln w="9525" cap="flat" cmpd="sng">
-            <a:solidFill>
-              <a:schemeClr val="dk2"/>
-            </a:solidFill>
-            <a:prstDash val="solid"/>
-            <a:round/>
-            <a:headEnd type="none" w="med" len="med"/>
-            <a:tailEnd type="triangle" w="med" len="med"/>
-          </a:ln>
-        </p:spPr>
-      </p:cxnSp>
-      <p:cxnSp>
-        <p:nvCxnSpPr>
-          <p:cNvPr id="89" name="Google Shape;89;p13"/>
-          <p:cNvCxnSpPr/>
-          <p:nvPr/>
-        </p:nvCxnSpPr>
-        <p:spPr>
-          <a:xfrm rot="10800000">
-            <a:off x="1050225" y="3831386"/>
-            <a:ext cx="2843700" cy="0"/>
-          </a:xfrm>
-          <a:prstGeom prst="straightConnector1">
-            <a:avLst/>
-          </a:prstGeom>
-          <a:noFill/>
-          <a:ln w="9525" cap="flat" cmpd="sng">
-            <a:solidFill>
-              <a:schemeClr val="dk2"/>
-            </a:solidFill>
-            <a:prstDash val="solid"/>
-            <a:round/>
-            <a:headEnd type="stealth" w="med" len="med"/>
-            <a:tailEnd type="none" w="med" len="med"/>
-          </a:ln>
-        </p:spPr>
-      </p:cxnSp>
-      <p:sp>
-        <p:nvSpPr>
-          <p:cNvPr id="90" name="Google Shape;90;p13"/>
-          <p:cNvSpPr/>
-          <p:nvPr/>
-        </p:nvSpPr>
-        <p:spPr>
-          <a:xfrm>
-            <a:off x="3888624" y="2575291"/>
-            <a:ext cx="1509300" cy="384300"/>
-          </a:xfrm>
-          <a:prstGeom prst="roundRect">
-            <a:avLst>
-              <a:gd name="adj" fmla="val 8420"/>
-            </a:avLst>
-          </a:prstGeom>
-          <a:solidFill>
-            <a:srgbClr val="EE91E4"/>
-          </a:solidFill>
-          <a:ln w="9525" cap="flat" cmpd="sng">
-            <a:solidFill>
-              <a:srgbClr val="000000"/>
-            </a:solidFill>
-            <a:prstDash val="solid"/>
-            <a:round/>
-            <a:headEnd type="none" w="sm" len="sm"/>
-            <a:tailEnd type="none" w="sm" len="sm"/>
-          </a:ln>
-        </p:spPr>
-        <p:txBody>
-          <a:bodyPr spcFirstLastPara="1" wrap="square" lIns="91425" tIns="91425" rIns="91425" bIns="91425" anchor="ctr" anchorCtr="0">
-            <a:noAutofit/>
-          </a:bodyPr>
-          <a:lstStyle/>
-          <a:p>
-            <a:pPr marL="0" lvl="0" indent="0" algn="ctr" rtl="0">
-              <a:spcBef>
-                <a:spcPts val="0"/>
-              </a:spcBef>
-              <a:spcAft>
-                <a:spcPts val="0"/>
-              </a:spcAft>
-              <a:buNone/>
-            </a:pPr>
-            <a:r>
-              <a:rPr lang="en" sz="1000"/>
-              <a:t>msa-agentactivity</a:t>
-            </a:r>
-            <a:endParaRPr sz="1000"/>
-          </a:p>
-        </p:txBody>
-      </p:sp>
-      <p:cxnSp>
-        <p:nvCxnSpPr>
-          <p:cNvPr id="91" name="Google Shape;91;p13"/>
-          <p:cNvCxnSpPr>
-            <a:endCxn id="90" idx="1"/>
-          </p:cNvCxnSpPr>
-          <p:nvPr/>
-        </p:nvCxnSpPr>
-        <p:spPr>
-          <a:xfrm rot="10800000" flipH="1">
-            <a:off x="1075824" y="2767441"/>
-            <a:ext cx="2812800" cy="1055100"/>
-          </a:xfrm>
-          <a:prstGeom prst="bentConnector3">
-            <a:avLst>
-              <a:gd name="adj1" fmla="val 4314"/>
-            </a:avLst>
-          </a:prstGeom>
-          <a:noFill/>
-          <a:ln w="9525" cap="flat" cmpd="sng">
-            <a:solidFill>
-              <a:schemeClr val="dk2"/>
-            </a:solidFill>
-            <a:prstDash val="solid"/>
-            <a:round/>
-            <a:headEnd type="none" w="med" len="med"/>
-            <a:tailEnd type="stealth" w="med" len="med"/>
-          </a:ln>
-        </p:spPr>
-      </p:cxnSp>
-      <p:pic>
-        <p:nvPicPr>
-          <p:cNvPr id="74" name="Google Shape;74;p13"/>
-          <p:cNvPicPr preferRelativeResize="0"/>
-          <p:nvPr/>
-        </p:nvPicPr>
-        <p:blipFill>
-          <a:blip r:embed="rId4">
-            <a:alphaModFix/>
-          </a:blip>
-          <a:stretch>
-            <a:fillRect/>
-          </a:stretch>
-        </p:blipFill>
-        <p:spPr>
-          <a:xfrm>
-            <a:off x="7469710" y="702636"/>
-            <a:ext cx="377100" cy="377100"/>
-          </a:xfrm>
-          <a:prstGeom prst="rect">
-            <a:avLst/>
-          </a:prstGeom>
-          <a:noFill/>
-          <a:ln>
-            <a:noFill/>
-          </a:ln>
-        </p:spPr>
-      </p:pic>
-      <p:sp>
-        <p:nvSpPr>
-          <p:cNvPr id="92" name="Google Shape;92;p13"/>
-          <p:cNvSpPr txBox="1"/>
-          <p:nvPr/>
-        </p:nvSpPr>
-        <p:spPr>
-          <a:xfrm>
-            <a:off x="1246875" y="3221638"/>
-            <a:ext cx="1930200" cy="294600"/>
-          </a:xfrm>
-          <a:prstGeom prst="rect">
-            <a:avLst/>
-          </a:prstGeom>
-          <a:noFill/>
-          <a:ln>
-            <a:noFill/>
-          </a:ln>
-        </p:spPr>
-        <p:txBody>
-          <a:bodyPr spcFirstLastPara="1" wrap="square" lIns="91425" tIns="91425" rIns="91425" bIns="91425" anchor="ctr" anchorCtr="0">
-            <a:noAutofit/>
-          </a:bodyPr>
-          <a:lstStyle/>
-          <a:p>
-            <a:pPr marL="0" lvl="0" indent="0" algn="l" rtl="0">
-              <a:spcBef>
-                <a:spcPts val="0"/>
-              </a:spcBef>
-              <a:spcAft>
-                <a:spcPts val="0"/>
-              </a:spcAft>
-              <a:buNone/>
-            </a:pPr>
-            <a:r>
-              <a:rPr lang="en" sz="800">
-                <a:highlight>
-                  <a:schemeClr val="lt1"/>
-                </a:highlight>
-              </a:rPr>
-              <a:t>1.3 to Admin page with JWT Cookies</a:t>
-            </a:r>
-            <a:br>
-              <a:rPr lang="en" sz="800">
-                <a:highlight>
-                  <a:schemeClr val="lt1"/>
-                </a:highlight>
-              </a:rPr>
-            </a:br>
-            <a:r>
-              <a:rPr lang="en" sz="800">
-                <a:highlight>
-                  <a:schemeClr val="lt1"/>
-                </a:highlight>
-              </a:rPr>
-              <a:t>(team, newkm, activity))</a:t>
-            </a:r>
-            <a:endParaRPr sz="800">
-              <a:highlight>
-                <a:schemeClr val="lt1"/>
-              </a:highlight>
-            </a:endParaRPr>
-          </a:p>
-        </p:txBody>
-      </p:sp>
-      <p:sp>
-        <p:nvSpPr>
-          <p:cNvPr id="56" name="Google Shape;56;p13"/>
-          <p:cNvSpPr/>
-          <p:nvPr/>
-        </p:nvSpPr>
-        <p:spPr>
-          <a:xfrm>
-            <a:off x="3888624" y="1881713"/>
-            <a:ext cx="1509300" cy="384300"/>
-          </a:xfrm>
-          <a:prstGeom prst="roundRect">
-            <a:avLst>
-              <a:gd name="adj" fmla="val 8420"/>
-            </a:avLst>
-          </a:prstGeom>
-          <a:noFill/>
-          <a:ln w="9525" cap="flat" cmpd="sng">
-            <a:solidFill>
-              <a:srgbClr val="000000"/>
-            </a:solidFill>
-            <a:prstDash val="solid"/>
-            <a:round/>
-            <a:headEnd type="none" w="sm" len="sm"/>
-            <a:tailEnd type="none" w="sm" len="sm"/>
-          </a:ln>
-        </p:spPr>
-        <p:txBody>
-          <a:bodyPr spcFirstLastPara="1" wrap="square" lIns="91425" tIns="91425" rIns="91425" bIns="91425" anchor="ctr" anchorCtr="0">
-            <a:noAutofit/>
-          </a:bodyPr>
-          <a:lstStyle/>
-          <a:p>
-            <a:pPr marL="0" lvl="0" indent="0" algn="ctr" rtl="0">
-              <a:spcBef>
-                <a:spcPts val="0"/>
-              </a:spcBef>
-              <a:spcAft>
-                <a:spcPts val="0"/>
-              </a:spcAft>
-              <a:buNone/>
-            </a:pPr>
-            <a:r>
-              <a:rPr lang="en" sz="1000"/>
-              <a:t>msa-agent</a:t>
-            </a:r>
-            <a:r>
-              <a:rPr lang="en" sz="1000">
-                <a:solidFill>
-                  <a:schemeClr val="dk1"/>
-                </a:solidFill>
-              </a:rPr>
-              <a:t>income</a:t>
-            </a:r>
-            <a:endParaRPr sz="1000"/>
-          </a:p>
-        </p:txBody>
-      </p:sp>
-      <p:cxnSp>
-        <p:nvCxnSpPr>
-          <p:cNvPr id="93" name="Google Shape;93;p13"/>
-          <p:cNvCxnSpPr>
-            <a:stCxn id="90" idx="0"/>
-            <a:endCxn id="56" idx="2"/>
-          </p:cNvCxnSpPr>
-          <p:nvPr/>
-        </p:nvCxnSpPr>
-        <p:spPr>
-          <a:xfrm rot="10800000">
-            <a:off x="4643274" y="2265991"/>
-            <a:ext cx="0" cy="309300"/>
-          </a:xfrm>
-          <a:prstGeom prst="straightConnector1">
-            <a:avLst/>
-          </a:prstGeom>
-          <a:noFill/>
-          <a:ln w="9525" cap="flat" cmpd="sng">
-            <a:solidFill>
-              <a:schemeClr val="dk2"/>
-            </a:solidFill>
-            <a:prstDash val="solid"/>
-            <a:round/>
-            <a:headEnd type="none" w="med" len="med"/>
-            <a:tailEnd type="stealth" w="med" len="med"/>
-          </a:ln>
-        </p:spPr>
-      </p:cxnSp>
-      <p:cxnSp>
-        <p:nvCxnSpPr>
-          <p:cNvPr id="94" name="Google Shape;94;p13"/>
-          <p:cNvCxnSpPr>
-            <a:stCxn id="57" idx="3"/>
-            <a:endCxn id="60" idx="1"/>
-          </p:cNvCxnSpPr>
-          <p:nvPr/>
-        </p:nvCxnSpPr>
-        <p:spPr>
-          <a:xfrm rot="10800000" flipH="1">
-            <a:off x="1059250" y="873175"/>
-            <a:ext cx="3354000" cy="174900"/>
-          </a:xfrm>
-          <a:prstGeom prst="bentConnector3">
-            <a:avLst>
-              <a:gd name="adj1" fmla="val 50000"/>
-            </a:avLst>
-          </a:prstGeom>
-          <a:noFill/>
-          <a:ln w="9525" cap="flat" cmpd="sng">
-            <a:solidFill>
-              <a:schemeClr val="dk2"/>
-            </a:solidFill>
-            <a:prstDash val="solid"/>
-            <a:round/>
-            <a:headEnd type="none" w="med" len="med"/>
-            <a:tailEnd type="stealth" w="med" len="med"/>
-          </a:ln>
-        </p:spPr>
-      </p:cxnSp>
-      <p:sp>
-        <p:nvSpPr>
-          <p:cNvPr id="95" name="Google Shape;95;p13"/>
-          <p:cNvSpPr txBox="1"/>
-          <p:nvPr/>
-        </p:nvSpPr>
-        <p:spPr>
-          <a:xfrm>
-            <a:off x="1070885" y="915461"/>
-            <a:ext cx="1930200" cy="239700"/>
-          </a:xfrm>
-          <a:prstGeom prst="rect">
-            <a:avLst/>
-          </a:prstGeom>
-          <a:noFill/>
-          <a:ln>
-            <a:noFill/>
-          </a:ln>
-        </p:spPr>
-        <p:txBody>
-          <a:bodyPr spcFirstLastPara="1" wrap="square" lIns="91425" tIns="91425" rIns="91425" bIns="91425" anchor="ctr" anchorCtr="0">
-            <a:noAutofit/>
-          </a:bodyPr>
-          <a:lstStyle/>
-          <a:p>
-            <a:pPr marL="0" lvl="0" indent="0" algn="ctr" rtl="0">
-              <a:spcBef>
-                <a:spcPts val="0"/>
-              </a:spcBef>
-              <a:spcAft>
-                <a:spcPts val="0"/>
-              </a:spcAft>
-              <a:buNone/>
-            </a:pPr>
-            <a:r>
-              <a:rPr lang="en" sz="800">
-                <a:highlight>
-                  <a:schemeClr val="lt1"/>
-                </a:highlight>
-              </a:rPr>
-              <a:t>2.1.input username &amp; password</a:t>
-            </a:r>
-            <a:endParaRPr sz="800">
-              <a:highlight>
-                <a:schemeClr val="lt1"/>
-              </a:highlight>
-            </a:endParaRPr>
-          </a:p>
-        </p:txBody>
-      </p:sp>
-      <p:sp>
-        <p:nvSpPr>
-          <p:cNvPr id="96" name="Google Shape;96;p13"/>
-          <p:cNvSpPr txBox="1"/>
-          <p:nvPr/>
-        </p:nvSpPr>
-        <p:spPr>
-          <a:xfrm>
-            <a:off x="3556674" y="2345653"/>
-            <a:ext cx="1217700" cy="243900"/>
-          </a:xfrm>
-          <a:prstGeom prst="rect">
-            <a:avLst/>
-          </a:prstGeom>
-          <a:noFill/>
-          <a:ln>
-            <a:noFill/>
-          </a:ln>
-        </p:spPr>
-        <p:txBody>
-          <a:bodyPr spcFirstLastPara="1" wrap="square" lIns="91425" tIns="91425" rIns="91425" bIns="91425" anchor="ctr" anchorCtr="0">
-            <a:noAutofit/>
-          </a:bodyPr>
-          <a:lstStyle/>
-          <a:p>
-            <a:pPr marL="0" lvl="0" indent="0" algn="l" rtl="0">
-              <a:spcBef>
-                <a:spcPts val="0"/>
-              </a:spcBef>
-              <a:spcAft>
-                <a:spcPts val="0"/>
-              </a:spcAft>
-              <a:buNone/>
-            </a:pPr>
-            <a:r>
-              <a:rPr lang="en" sz="800"/>
-              <a:t>2.7 อ่านข้อมูล income</a:t>
-            </a:r>
-            <a:endParaRPr sz="800"/>
-          </a:p>
-        </p:txBody>
-      </p:sp>
-      <p:cxnSp>
-        <p:nvCxnSpPr>
-          <p:cNvPr id="97" name="Google Shape;97;p13"/>
-          <p:cNvCxnSpPr>
-            <a:stCxn id="64" idx="0"/>
-            <a:endCxn id="90" idx="2"/>
-          </p:cNvCxnSpPr>
-          <p:nvPr/>
-        </p:nvCxnSpPr>
-        <p:spPr>
-          <a:xfrm rot="10800000" flipH="1">
-            <a:off x="4642462" y="2959660"/>
-            <a:ext cx="900" cy="220500"/>
-          </a:xfrm>
-          <a:prstGeom prst="straightConnector1">
-            <a:avLst/>
-          </a:prstGeom>
-          <a:noFill/>
-          <a:ln w="9525" cap="flat" cmpd="sng">
-            <a:solidFill>
-              <a:schemeClr val="dk2"/>
-            </a:solidFill>
-            <a:prstDash val="solid"/>
-            <a:round/>
-            <a:headEnd type="stealth" w="med" len="med"/>
-            <a:tailEnd type="none" w="med" len="med"/>
-          </a:ln>
-        </p:spPr>
-      </p:cxnSp>
-      <p:sp>
-        <p:nvSpPr>
-          <p:cNvPr id="98" name="Google Shape;98;p13"/>
-          <p:cNvSpPr txBox="1"/>
-          <p:nvPr/>
-        </p:nvSpPr>
-        <p:spPr>
-          <a:xfrm>
-            <a:off x="3556674" y="2933358"/>
-            <a:ext cx="1560900" cy="243900"/>
-          </a:xfrm>
-          <a:prstGeom prst="rect">
-            <a:avLst/>
-          </a:prstGeom>
-          <a:noFill/>
-          <a:ln>
-            <a:noFill/>
-          </a:ln>
-        </p:spPr>
-        <p:txBody>
-          <a:bodyPr spcFirstLastPara="1" wrap="square" lIns="91425" tIns="91425" rIns="91425" bIns="91425" anchor="ctr" anchorCtr="0">
-            <a:noAutofit/>
-          </a:bodyPr>
-          <a:lstStyle/>
-          <a:p>
-            <a:pPr marL="0" lvl="0" indent="0" algn="l" rtl="0">
-              <a:spcBef>
-                <a:spcPts val="0"/>
-              </a:spcBef>
-              <a:spcAft>
-                <a:spcPts val="0"/>
-              </a:spcAft>
-              <a:buNone/>
-            </a:pPr>
-            <a:r>
-              <a:rPr lang="en" sz="800"/>
-              <a:t>2.6 อ่านข้อมูลตำแหน่ง, สาขา</a:t>
-            </a:r>
-            <a:endParaRPr sz="800"/>
-          </a:p>
-        </p:txBody>
-      </p:sp>
-      <p:sp>
-        <p:nvSpPr>
-          <p:cNvPr id="99" name="Google Shape;99;p13"/>
-          <p:cNvSpPr/>
-          <p:nvPr/>
-        </p:nvSpPr>
-        <p:spPr>
-          <a:xfrm>
-            <a:off x="2357225" y="1468615"/>
-            <a:ext cx="1169700" cy="294600"/>
-          </a:xfrm>
-          <a:prstGeom prst="roundRect">
-            <a:avLst>
-              <a:gd name="adj" fmla="val 8420"/>
-            </a:avLst>
-          </a:prstGeom>
-          <a:solidFill>
-            <a:srgbClr val="FFFFFF"/>
-          </a:solidFill>
-          <a:ln w="9525" cap="flat" cmpd="sng">
-            <a:solidFill>
-              <a:srgbClr val="000000"/>
-            </a:solidFill>
-            <a:prstDash val="solid"/>
-            <a:round/>
-            <a:headEnd type="none" w="sm" len="sm"/>
-            <a:tailEnd type="none" w="sm" len="sm"/>
-          </a:ln>
-        </p:spPr>
-        <p:txBody>
-          <a:bodyPr spcFirstLastPara="1" wrap="square" lIns="91425" tIns="91425" rIns="91425" bIns="91425" anchor="ctr" anchorCtr="0">
-            <a:noAutofit/>
-          </a:bodyPr>
-          <a:lstStyle/>
-          <a:p>
-            <a:pPr marL="0" lvl="0" indent="0" algn="ctr" rtl="0">
-              <a:spcBef>
-                <a:spcPts val="0"/>
-              </a:spcBef>
-              <a:spcAft>
-                <a:spcPts val="0"/>
-              </a:spcAft>
-              <a:buNone/>
-            </a:pPr>
-            <a:r>
-              <a:rPr lang="en" sz="1000"/>
-              <a:t>msa-agentauth</a:t>
-            </a:r>
-            <a:endParaRPr sz="1000"/>
-          </a:p>
-        </p:txBody>
-      </p:sp>
-      <p:sp>
-        <p:nvSpPr>
-          <p:cNvPr id="100" name="Google Shape;100;p13"/>
-          <p:cNvSpPr txBox="1"/>
-          <p:nvPr/>
-        </p:nvSpPr>
-        <p:spPr>
-          <a:xfrm>
-            <a:off x="5537222" y="189705"/>
-            <a:ext cx="985200" cy="384300"/>
-          </a:xfrm>
-          <a:prstGeom prst="rect">
-            <a:avLst/>
-          </a:prstGeom>
-          <a:solidFill>
-            <a:srgbClr val="FFFFFF"/>
-          </a:solidFill>
-          <a:ln>
-            <a:noFill/>
-          </a:ln>
-        </p:spPr>
-        <p:txBody>
-          <a:bodyPr spcFirstLastPara="1" wrap="square" lIns="91425" tIns="91425" rIns="91425" bIns="91425" anchor="ctr" anchorCtr="0">
-            <a:noAutofit/>
-          </a:bodyPr>
-          <a:lstStyle/>
-          <a:p>
-            <a:pPr marL="0" lvl="0" indent="0" algn="ctr" rtl="0">
-              <a:spcBef>
-                <a:spcPts val="0"/>
-              </a:spcBef>
-              <a:spcAft>
-                <a:spcPts val="0"/>
-              </a:spcAft>
-              <a:buNone/>
-            </a:pPr>
-            <a:r>
-              <a:rPr lang="en" sz="800"/>
-              <a:t>2.2.authentication via Ocean Pad to LDAP</a:t>
-            </a:r>
-            <a:endParaRPr sz="800"/>
-          </a:p>
-        </p:txBody>
-      </p:sp>
-      <p:cxnSp>
-        <p:nvCxnSpPr>
-          <p:cNvPr id="101" name="Google Shape;101;p13"/>
-          <p:cNvCxnSpPr>
-            <a:endCxn id="75" idx="1"/>
-          </p:cNvCxnSpPr>
-          <p:nvPr/>
-        </p:nvCxnSpPr>
-        <p:spPr>
-          <a:xfrm>
-            <a:off x="1051725" y="1363976"/>
-            <a:ext cx="2842200" cy="2462400"/>
-          </a:xfrm>
-          <a:prstGeom prst="bentConnector3">
-            <a:avLst>
-              <a:gd name="adj1" fmla="val 5118"/>
-            </a:avLst>
-          </a:prstGeom>
-          <a:noFill/>
-          <a:ln w="9525" cap="flat" cmpd="sng">
-            <a:solidFill>
-              <a:schemeClr val="dk2"/>
-            </a:solidFill>
-            <a:prstDash val="solid"/>
-            <a:round/>
-            <a:headEnd type="none" w="med" len="med"/>
-            <a:tailEnd type="none" w="med" len="med"/>
-          </a:ln>
-        </p:spPr>
-      </p:cxnSp>
-      <p:sp>
-        <p:nvSpPr>
-          <p:cNvPr id="102" name="Google Shape;102;p13"/>
-          <p:cNvSpPr txBox="1"/>
-          <p:nvPr/>
-        </p:nvSpPr>
-        <p:spPr>
-          <a:xfrm>
-            <a:off x="1955975" y="3614246"/>
-            <a:ext cx="1732500" cy="243900"/>
-          </a:xfrm>
-          <a:prstGeom prst="rect">
-            <a:avLst/>
-          </a:prstGeom>
-          <a:noFill/>
-          <a:ln>
-            <a:noFill/>
-          </a:ln>
-        </p:spPr>
-        <p:txBody>
-          <a:bodyPr spcFirstLastPara="1" wrap="square" lIns="91425" tIns="91425" rIns="91425" bIns="91425" anchor="ctr" anchorCtr="0">
-            <a:noAutofit/>
-          </a:bodyPr>
-          <a:lstStyle/>
-          <a:p>
-            <a:pPr marL="0" lvl="0" indent="0" algn="l" rtl="0">
-              <a:spcBef>
-                <a:spcPts val="0"/>
-              </a:spcBef>
-              <a:spcAft>
-                <a:spcPts val="0"/>
-              </a:spcAft>
-              <a:buNone/>
-            </a:pPr>
-            <a:r>
-              <a:rPr lang="en" sz="800"/>
-              <a:t>2.4.View News </a:t>
-            </a:r>
-            <a:r>
-              <a:rPr lang="en" sz="800">
-                <a:solidFill>
-                  <a:schemeClr val="dk1"/>
-                </a:solidFill>
-              </a:rPr>
-              <a:t>with JWT Header</a:t>
-            </a:r>
-            <a:endParaRPr sz="800"/>
-          </a:p>
-        </p:txBody>
-      </p:sp>
-      <p:sp>
-        <p:nvSpPr>
-          <p:cNvPr id="103" name="Google Shape;103;p13"/>
-          <p:cNvSpPr txBox="1"/>
-          <p:nvPr/>
-        </p:nvSpPr>
-        <p:spPr>
-          <a:xfrm>
-            <a:off x="1324042" y="2479668"/>
-            <a:ext cx="1732500" cy="243900"/>
-          </a:xfrm>
-          <a:prstGeom prst="rect">
-            <a:avLst/>
-          </a:prstGeom>
-          <a:noFill/>
-          <a:ln>
-            <a:noFill/>
-          </a:ln>
-        </p:spPr>
-        <p:txBody>
-          <a:bodyPr spcFirstLastPara="1" wrap="square" lIns="91425" tIns="91425" rIns="91425" bIns="91425" anchor="ctr" anchorCtr="0">
-            <a:noAutofit/>
-          </a:bodyPr>
-          <a:lstStyle/>
-          <a:p>
-            <a:pPr marL="0" lvl="0" indent="0" algn="l" rtl="0">
-              <a:spcBef>
-                <a:spcPts val="0"/>
-              </a:spcBef>
-              <a:spcAft>
-                <a:spcPts val="0"/>
-              </a:spcAft>
-              <a:buNone/>
-            </a:pPr>
-            <a:r>
-              <a:rPr lang="en" sz="800">
-                <a:highlight>
-                  <a:schemeClr val="lt1"/>
-                </a:highlight>
-              </a:rPr>
-              <a:t>2.5.View Activity &amp; Ranking </a:t>
-            </a:r>
-            <a:r>
-              <a:rPr lang="en" sz="800">
-                <a:solidFill>
-                  <a:schemeClr val="dk1"/>
-                </a:solidFill>
-              </a:rPr>
-              <a:t>with JWT Header</a:t>
-            </a:r>
-            <a:endParaRPr sz="800">
-              <a:highlight>
-                <a:schemeClr val="lt1"/>
-              </a:highlight>
-            </a:endParaRPr>
-          </a:p>
-        </p:txBody>
-      </p:sp>
-      <p:cxnSp>
-        <p:nvCxnSpPr>
-          <p:cNvPr id="104" name="Google Shape;104;p13"/>
-          <p:cNvCxnSpPr>
-            <a:stCxn id="92" idx="3"/>
-            <a:endCxn id="90" idx="1"/>
-          </p:cNvCxnSpPr>
-          <p:nvPr/>
-        </p:nvCxnSpPr>
-        <p:spPr>
-          <a:xfrm rot="10800000" flipH="1">
-            <a:off x="3177075" y="2767438"/>
-            <a:ext cx="711600" cy="601500"/>
-          </a:xfrm>
-          <a:prstGeom prst="straightConnector1">
-            <a:avLst/>
-          </a:prstGeom>
-          <a:noFill/>
-          <a:ln w="9525" cap="flat" cmpd="sng">
-            <a:solidFill>
-              <a:schemeClr val="dk2"/>
-            </a:solidFill>
-            <a:prstDash val="solid"/>
-            <a:round/>
-            <a:headEnd type="none" w="med" len="med"/>
-            <a:tailEnd type="stealth" w="med" len="med"/>
-          </a:ln>
-        </p:spPr>
-      </p:cxnSp>
-      <p:cxnSp>
-        <p:nvCxnSpPr>
-          <p:cNvPr id="105" name="Google Shape;105;p13"/>
-          <p:cNvCxnSpPr>
-            <a:stCxn id="92" idx="3"/>
-            <a:endCxn id="75" idx="1"/>
-          </p:cNvCxnSpPr>
-          <p:nvPr/>
-        </p:nvCxnSpPr>
-        <p:spPr>
-          <a:xfrm>
-            <a:off x="3177075" y="3368938"/>
-            <a:ext cx="717000" cy="457500"/>
-          </a:xfrm>
-          <a:prstGeom prst="straightConnector1">
-            <a:avLst/>
-          </a:prstGeom>
-          <a:noFill/>
-          <a:ln w="9525" cap="flat" cmpd="sng">
-            <a:solidFill>
-              <a:schemeClr val="dk2"/>
-            </a:solidFill>
-            <a:prstDash val="solid"/>
-            <a:round/>
-            <a:headEnd type="none" w="med" len="med"/>
-            <a:tailEnd type="stealth" w="med" len="med"/>
-          </a:ln>
-        </p:spPr>
-      </p:cxnSp>
-      <p:sp>
-        <p:nvSpPr>
-          <p:cNvPr id="106" name="Google Shape;106;p13"/>
-          <p:cNvSpPr/>
-          <p:nvPr/>
-        </p:nvSpPr>
-        <p:spPr>
-          <a:xfrm>
-            <a:off x="4193424" y="1352951"/>
-            <a:ext cx="1509300" cy="384300"/>
-          </a:xfrm>
-          <a:prstGeom prst="roundRect">
-            <a:avLst>
-              <a:gd name="adj" fmla="val 8420"/>
-            </a:avLst>
-          </a:prstGeom>
-          <a:noFill/>
-          <a:ln w="9525" cap="flat" cmpd="sng">
-            <a:solidFill>
-              <a:srgbClr val="000000"/>
-            </a:solidFill>
-            <a:prstDash val="solid"/>
-            <a:round/>
-            <a:headEnd type="none" w="sm" len="sm"/>
-            <a:tailEnd type="none" w="sm" len="sm"/>
-          </a:ln>
-        </p:spPr>
-        <p:txBody>
-          <a:bodyPr spcFirstLastPara="1" wrap="square" lIns="91425" tIns="91425" rIns="91425" bIns="91425" anchor="ctr" anchorCtr="0">
-            <a:noAutofit/>
-          </a:bodyPr>
-          <a:lstStyle/>
-          <a:p>
-            <a:pPr marL="0" lvl="0" indent="0" algn="ctr" rtl="0">
-              <a:spcBef>
-                <a:spcPts val="0"/>
-              </a:spcBef>
-              <a:spcAft>
-                <a:spcPts val="0"/>
-              </a:spcAft>
-              <a:buNone/>
-            </a:pPr>
-            <a:r>
-              <a:rPr lang="en" sz="1000"/>
-              <a:t>msa-agent</a:t>
-            </a:r>
-            <a:r>
-              <a:rPr lang="en" sz="1000">
-                <a:solidFill>
-                  <a:schemeClr val="dk1"/>
-                </a:solidFill>
-              </a:rPr>
-              <a:t>product</a:t>
-            </a:r>
-            <a:endParaRPr sz="1000"/>
-          </a:p>
-        </p:txBody>
-      </p:sp>
-      <p:cxnSp>
-        <p:nvCxnSpPr>
-          <p:cNvPr id="107" name="Google Shape;107;p13"/>
-          <p:cNvCxnSpPr>
-            <a:endCxn id="106" idx="3"/>
-          </p:cNvCxnSpPr>
-          <p:nvPr/>
-        </p:nvCxnSpPr>
-        <p:spPr>
-          <a:xfrm rot="-5400000">
-            <a:off x="4939224" y="2003801"/>
-            <a:ext cx="1222200" cy="304800"/>
-          </a:xfrm>
-          <a:prstGeom prst="curvedConnector4">
-            <a:avLst>
-              <a:gd name="adj1" fmla="val 6051"/>
-              <a:gd name="adj2" fmla="val 178125"/>
-            </a:avLst>
-          </a:prstGeom>
-          <a:noFill/>
-          <a:ln w="9525" cap="flat" cmpd="sng">
-            <a:solidFill>
-              <a:schemeClr val="dk2"/>
-            </a:solidFill>
-            <a:prstDash val="solid"/>
-            <a:round/>
-            <a:headEnd type="none" w="med" len="med"/>
-            <a:tailEnd type="stealth" w="med" len="med"/>
-          </a:ln>
-        </p:spPr>
-      </p:cxnSp>
-      <p:sp>
-        <p:nvSpPr>
-          <p:cNvPr id="108" name="Google Shape;108;p13"/>
-          <p:cNvSpPr txBox="1"/>
-          <p:nvPr/>
-        </p:nvSpPr>
-        <p:spPr>
-          <a:xfrm>
-            <a:off x="5623027" y="1732295"/>
-            <a:ext cx="825600" cy="243900"/>
-          </a:xfrm>
-          <a:prstGeom prst="rect">
-            <a:avLst/>
-          </a:prstGeom>
-          <a:noFill/>
-          <a:ln>
-            <a:noFill/>
-          </a:ln>
-        </p:spPr>
-        <p:txBody>
-          <a:bodyPr spcFirstLastPara="1" wrap="square" lIns="91425" tIns="91425" rIns="91425" bIns="91425" anchor="ctr" anchorCtr="0">
-            <a:noAutofit/>
-          </a:bodyPr>
-          <a:lstStyle/>
-          <a:p>
-            <a:pPr marL="0" lvl="0" indent="0" algn="l" rtl="0">
-              <a:spcBef>
-                <a:spcPts val="0"/>
-              </a:spcBef>
-              <a:spcAft>
-                <a:spcPts val="0"/>
-              </a:spcAft>
-              <a:buNone/>
-            </a:pPr>
-            <a:r>
-              <a:rPr lang="en" sz="800">
-                <a:highlight>
-                  <a:schemeClr val="lt1"/>
-                </a:highlight>
-              </a:rPr>
-              <a:t>2.8 อ่านข้อมูล</a:t>
-            </a:r>
-            <a:br>
-              <a:rPr lang="en" sz="800">
-                <a:highlight>
-                  <a:schemeClr val="lt1"/>
-                </a:highlight>
-              </a:rPr>
-            </a:br>
-            <a:r>
-              <a:rPr lang="en" sz="800">
-                <a:highlight>
-                  <a:schemeClr val="lt1"/>
-                </a:highlight>
-              </a:rPr>
-              <a:t>product</a:t>
-            </a:r>
-            <a:endParaRPr sz="800">
-              <a:highlight>
-                <a:schemeClr val="lt1"/>
-              </a:highlight>
-            </a:endParaRPr>
-          </a:p>
-        </p:txBody>
-      </p:sp>
-      <p:cxnSp>
-        <p:nvCxnSpPr>
-          <p:cNvPr id="109" name="Google Shape;109;p13"/>
-          <p:cNvCxnSpPr>
-            <a:stCxn id="60" idx="2"/>
-            <a:endCxn id="99" idx="0"/>
-          </p:cNvCxnSpPr>
-          <p:nvPr/>
-        </p:nvCxnSpPr>
-        <p:spPr>
-          <a:xfrm rot="5400000">
-            <a:off x="3741225" y="288427"/>
-            <a:ext cx="381000" cy="1979400"/>
-          </a:xfrm>
-          <a:prstGeom prst="bentConnector3">
-            <a:avLst>
-              <a:gd name="adj1" fmla="val 49999"/>
-            </a:avLst>
-          </a:prstGeom>
-          <a:noFill/>
-          <a:ln w="9525" cap="flat" cmpd="sng">
-            <a:solidFill>
-              <a:schemeClr val="dk2"/>
-            </a:solidFill>
-            <a:prstDash val="solid"/>
-            <a:round/>
-            <a:headEnd type="none" w="med" len="med"/>
-            <a:tailEnd type="stealth" w="med" len="med"/>
-          </a:ln>
-        </p:spPr>
-      </p:cxnSp>
-      <p:sp>
-        <p:nvSpPr>
-          <p:cNvPr id="110" name="Google Shape;110;p13"/>
-          <p:cNvSpPr txBox="1"/>
-          <p:nvPr/>
-        </p:nvSpPr>
-        <p:spPr>
-          <a:xfrm>
-            <a:off x="2851782" y="1075634"/>
-            <a:ext cx="1016400" cy="243900"/>
-          </a:xfrm>
-          <a:prstGeom prst="rect">
-            <a:avLst/>
-          </a:prstGeom>
-          <a:noFill/>
-          <a:ln>
-            <a:noFill/>
-          </a:ln>
-        </p:spPr>
-        <p:txBody>
-          <a:bodyPr spcFirstLastPara="1" wrap="square" lIns="91425" tIns="91425" rIns="91425" bIns="91425" anchor="ctr" anchorCtr="0">
-            <a:noAutofit/>
-          </a:bodyPr>
-          <a:lstStyle/>
-          <a:p>
-            <a:pPr marL="0" lvl="0" indent="0" algn="l" rtl="0">
-              <a:spcBef>
-                <a:spcPts val="0"/>
-              </a:spcBef>
-              <a:spcAft>
-                <a:spcPts val="0"/>
-              </a:spcAft>
-              <a:buNone/>
-            </a:pPr>
-            <a:r>
-              <a:rPr lang="en" sz="800">
-                <a:highlight>
-                  <a:schemeClr val="lt1"/>
-                </a:highlight>
-              </a:rPr>
-              <a:t>2.3.generate JWT</a:t>
-            </a:r>
-            <a:endParaRPr sz="800">
-              <a:highlight>
-                <a:schemeClr val="lt1"/>
-              </a:highlight>
-            </a:endParaRPr>
-          </a:p>
-        </p:txBody>
-      </p:sp>
-      <p:sp>
-        <p:nvSpPr>
-          <p:cNvPr id="111" name="Google Shape;111;p13"/>
-          <p:cNvSpPr txBox="1"/>
-          <p:nvPr/>
-        </p:nvSpPr>
-        <p:spPr>
-          <a:xfrm>
-            <a:off x="7558528" y="1157001"/>
-            <a:ext cx="1585472" cy="819193"/>
-          </a:xfrm>
-          <a:prstGeom prst="rect">
-            <a:avLst/>
-          </a:prstGeom>
-          <a:noFill/>
-          <a:ln>
-            <a:noFill/>
-          </a:ln>
-        </p:spPr>
-        <p:txBody>
-          <a:bodyPr spcFirstLastPara="1" wrap="square" lIns="91425" tIns="91425" rIns="91425" bIns="91425" anchor="ctr" anchorCtr="0">
-            <a:noAutofit/>
-          </a:bodyPr>
-          <a:lstStyle/>
-          <a:p>
-            <a:pPr marL="0" lvl="0" indent="0" algn="l" rtl="0">
-              <a:spcBef>
-                <a:spcPts val="0"/>
-              </a:spcBef>
-              <a:spcAft>
-                <a:spcPts val="0"/>
-              </a:spcAft>
-              <a:buNone/>
-            </a:pPr>
-            <a:r>
-              <a:rPr lang="en" sz="800" dirty="0">
-                <a:highlight>
-                  <a:schemeClr val="lt1"/>
-                </a:highlight>
-              </a:rPr>
-              <a:t>Send CSV</a:t>
-            </a:r>
-          </a:p>
-          <a:p>
-            <a:pPr marL="0" lvl="0" indent="0" algn="l" rtl="0">
-              <a:spcBef>
-                <a:spcPts val="0"/>
-              </a:spcBef>
-              <a:spcAft>
-                <a:spcPts val="0"/>
-              </a:spcAft>
-              <a:buNone/>
-            </a:pPr>
-            <a:r>
-              <a:rPr lang="en" sz="800" dirty="0">
-                <a:highlight>
-                  <a:schemeClr val="lt1"/>
-                </a:highlight>
-              </a:rPr>
-              <a:t>- ข้อมูลเบี้ย, </a:t>
-            </a:r>
-            <a:r>
               <a:rPr lang="en" sz="800" dirty="0" err="1">
                 <a:highlight>
                   <a:schemeClr val="lt1"/>
                 </a:highlight>
               </a:rPr>
-              <a:t>ทุน</a:t>
-            </a:r>
-            <a:r>
-              <a:rPr lang="en" sz="800" dirty="0">
-                <a:highlight>
-                  <a:schemeClr val="lt1"/>
-                </a:highlight>
-              </a:rPr>
-              <a:t> </a:t>
-            </a:r>
-            <a:r>
-              <a:rPr lang="en" sz="700" dirty="0" err="1">
-                <a:highlight>
-                  <a:schemeClr val="lt1"/>
-                </a:highlight>
-              </a:rPr>
-              <a:t>agpt_agent_income</a:t>
+              <a:t>ข้อมูลเบี้ย,ทุน</a:t>
             </a:r>
             <a:br>
               <a:rPr lang="en" sz="800" dirty="0">
@@ -12030,31 +8480,7 @@
                   <a:schemeClr val="lt1"/>
                 </a:highlight>
               </a:rPr>
-              <a:t> </a:t>
-            </a:r>
-            <a:r>
-              <a:rPr lang="en" sz="700" dirty="0">
-                <a:highlight>
-                  <a:schemeClr val="lt1"/>
-                </a:highlight>
-              </a:rPr>
-              <a:t>case</a:t>
-            </a:r>
-            <a:r>
-              <a:rPr lang="en" sz="800" dirty="0">
-                <a:highlight>
-                  <a:schemeClr val="lt1"/>
-                </a:highlight>
-              </a:rPr>
-              <a:t> </a:t>
-            </a:r>
-            <a:r>
-              <a:rPr lang="en" sz="700" dirty="0" err="1">
-                <a:highlight>
-                  <a:schemeClr val="lt1"/>
-                </a:highlight>
-              </a:rPr>
-              <a:t>agpt_newcase_report</a:t>
+              <a:t> case</a:t>
             </a:r>
             <a:br>
               <a:rPr lang="en" sz="800" dirty="0">
@@ -12103,50 +8529,6 @@
                 </a:highlight>
               </a:rPr>
               <a:t>ความคงอยู่</a:t>
-            </a:r>
-            <a:r>
-              <a:rPr lang="en" sz="800" dirty="0">
-                <a:solidFill>
-                  <a:schemeClr val="dk1"/>
-                </a:solidFill>
-                <a:highlight>
-                  <a:schemeClr val="lt1"/>
-                </a:highlight>
-              </a:rPr>
-              <a:t> </a:t>
-            </a:r>
-            <a:r>
-              <a:rPr lang="en" sz="700" dirty="0" err="1">
-                <a:solidFill>
-                  <a:schemeClr val="dk1"/>
-                </a:solidFill>
-                <a:highlight>
-                  <a:schemeClr val="lt1"/>
-                </a:highlight>
-              </a:rPr>
-              <a:t>agpt_persist</a:t>
-            </a:r>
-            <a:r>
-              <a:rPr lang="en-US" sz="700" dirty="0">
-                <a:solidFill>
-                  <a:schemeClr val="dk1"/>
-                </a:solidFill>
-                <a:highlight>
-                  <a:schemeClr val="lt1"/>
-                </a:highlight>
-              </a:rPr>
-              <a:t>e</a:t>
-            </a:r>
-            <a:r>
-              <a:rPr lang="en" sz="700" dirty="0" err="1">
-                <a:solidFill>
-                  <a:schemeClr val="dk1"/>
-                </a:solidFill>
-                <a:highlight>
-                  <a:schemeClr val="lt1"/>
-                </a:highlight>
-              </a:rPr>
-              <a:t>ncy_detail,summary</a:t>
             </a:r>
             <a:br>
               <a:rPr lang="en" sz="800" dirty="0">
@@ -12180,28 +8562,6 @@
               </a:rPr>
               <a:t>ข้อมูลงวด</a:t>
             </a:r>
-            <a:r>
-              <a:rPr lang="en" sz="800" dirty="0">
-                <a:solidFill>
-                  <a:schemeClr val="dk1"/>
-                </a:solidFill>
-                <a:highlight>
-                  <a:schemeClr val="lt1"/>
-                </a:highlight>
-              </a:rPr>
-              <a:t> </a:t>
-            </a:r>
-            <a:r>
-              <a:rPr lang="en" sz="700" dirty="0" err="1">
-                <a:solidFill>
-                  <a:schemeClr val="dk1"/>
-                </a:solidFill>
-                <a:highlight>
-                  <a:schemeClr val="lt1"/>
-                </a:highlight>
-              </a:rPr>
-              <a:t>agpt_period</a:t>
-            </a:r>
             <a:endParaRPr sz="800" dirty="0">
               <a:highlight>
                 <a:schemeClr val="lt1"/>
@@ -12302,8 +8662,8 @@
         </p:nvCxnSpPr>
         <p:spPr>
           <a:xfrm rot="5400000">
-            <a:off x="5887790" y="2061673"/>
-            <a:ext cx="819960" cy="1801315"/>
+            <a:off x="5840065" y="1957579"/>
+            <a:ext cx="971700" cy="1857600"/>
           </a:xfrm>
           <a:prstGeom prst="curvedConnector2">
             <a:avLst/>
@@ -12328,8 +8688,8 @@
         </p:nvSpPr>
         <p:spPr>
           <a:xfrm>
-            <a:off x="8334956" y="3891437"/>
-            <a:ext cx="894000" cy="1160100"/>
+            <a:off x="7819958" y="2467603"/>
+            <a:ext cx="1212724" cy="1281998"/>
           </a:xfrm>
           <a:prstGeom prst="rect">
             <a:avLst/>
@@ -12354,6 +8714,65 @@
               </a:spcAft>
               <a:buNone/>
             </a:pPr>
+            <a:r>
+              <a:rPr lang="en-US" sz="800" dirty="0">
+                <a:highlight>
+                  <a:schemeClr val="lt1"/>
+                </a:highlight>
+                <a:latin typeface="Tahoma"/>
+                <a:ea typeface="Tahoma"/>
+                <a:cs typeface="Tahoma"/>
+                <a:sym typeface="Tahoma"/>
+              </a:rPr>
+              <a:t>drum </a:t>
+            </a:r>
+            <a:r>
+              <a:rPr lang="th-TH" sz="800" dirty="0">
+                <a:highlight>
+                  <a:schemeClr val="lt1"/>
+                </a:highlight>
+                <a:latin typeface="Tahoma"/>
+                <a:ea typeface="Tahoma"/>
+                <a:cs typeface="Tahoma"/>
+                <a:sym typeface="Tahoma"/>
+              </a:rPr>
+              <a:t>เวลา </a:t>
+            </a:r>
+            <a:r>
+              <a:rPr lang="en-US" sz="800" dirty="0">
+                <a:highlight>
+                  <a:schemeClr val="lt1"/>
+                </a:highlight>
+                <a:latin typeface="Tahoma"/>
+                <a:ea typeface="Tahoma"/>
+                <a:cs typeface="Tahoma"/>
+                <a:sym typeface="Tahoma"/>
+              </a:rPr>
+              <a:t>5:00 </a:t>
+            </a:r>
+            <a:r>
+              <a:rPr lang="th-TH" sz="800" dirty="0">
+                <a:highlight>
+                  <a:schemeClr val="lt1"/>
+                </a:highlight>
+                <a:latin typeface="Tahoma"/>
+                <a:ea typeface="Tahoma"/>
+                <a:cs typeface="Tahoma"/>
+                <a:sym typeface="Tahoma"/>
+              </a:rPr>
+              <a:t>ของทุกวัน</a:t>
+            </a:r>
+            <a:br>
+              <a:rPr lang="th-TH" sz="800" dirty="0">
+                <a:highlight>
+                  <a:schemeClr val="lt1"/>
+                </a:highlight>
+                <a:latin typeface="Tahoma"/>
+                <a:ea typeface="Tahoma"/>
+                <a:cs typeface="Tahoma"/>
+                <a:sym typeface="Tahoma"/>
+              </a:rPr>
+            </a:br>
             <a:r>
               <a:rPr lang="en" sz="800" dirty="0">
                 <a:highlight>
@@ -12598,478 +9017,8 @@
         </p:nvSpPr>
         <p:spPr>
           <a:xfrm>
-            <a:off x="6425103" y="2583074"/>
+            <a:off x="6680875" y="2552350"/>
             <a:ext cx="985200" cy="486600"/>
-          </a:xfrm>
-          <a:prstGeom prst="rect">
-            <a:avLst/>
-          </a:prstGeom>
-          <a:noFill/>
-          <a:ln>
-            <a:noFill/>
-          </a:ln>
-        </p:spPr>
-        <p:txBody>
-          <a:bodyPr spcFirstLastPara="1" wrap="square" lIns="91425" tIns="91425" rIns="91425" bIns="91425" anchor="ctr" anchorCtr="0">
-            <a:noAutofit/>
-          </a:bodyPr>
-          <a:lstStyle/>
-          <a:p>
-            <a:pPr marL="0" lvl="0" indent="0" algn="l" rtl="0">
-              <a:spcBef>
-                <a:spcPts val="0"/>
-              </a:spcBef>
-              <a:spcAft>
-                <a:spcPts val="0"/>
-              </a:spcAft>
-              <a:buNone/>
-            </a:pPr>
-            <a:r>
-              <a:rPr lang="en" sz="800" dirty="0" err="1">
-                <a:highlight>
-                  <a:schemeClr val="lt1"/>
-                </a:highlight>
-              </a:rPr>
-              <a:t>ข้อมูลตัวแทนจาก</a:t>
-            </a:r>
-            <a:r>
-              <a:rPr lang="en" sz="800" dirty="0">
-                <a:highlight>
-                  <a:schemeClr val="lt1"/>
-                </a:highlight>
-              </a:rPr>
-              <a:t> OCDTA LIB</a:t>
-            </a:r>
-            <a:endParaRPr sz="800" dirty="0">
-              <a:highlight>
-                <a:schemeClr val="lt1"/>
-              </a:highlight>
-            </a:endParaRPr>
-          </a:p>
-        </p:txBody>
-      </p:sp>
-      <p:sp>
-        <p:nvSpPr>
-          <p:cNvPr id="120" name="Google Shape;120;p13"/>
-          <p:cNvSpPr txBox="1"/>
-          <p:nvPr/>
-        </p:nvSpPr>
-        <p:spPr>
-          <a:xfrm>
-            <a:off x="5806925" y="4098421"/>
-            <a:ext cx="1169700" cy="646652"/>
-          </a:xfrm>
-          <a:prstGeom prst="rect">
-            <a:avLst/>
-          </a:prstGeom>
-          <a:noFill/>
-          <a:ln>
-            <a:noFill/>
-          </a:ln>
-        </p:spPr>
-        <p:txBody>
-          <a:bodyPr spcFirstLastPara="1" wrap="square" lIns="91425" tIns="91425" rIns="91425" bIns="91425" anchor="ctr" anchorCtr="0">
-            <a:noAutofit/>
-          </a:bodyPr>
-          <a:lstStyle/>
-          <a:p>
-            <a:pPr marL="0" lvl="0" indent="0" algn="l" rtl="0">
-              <a:spcBef>
-                <a:spcPts val="0"/>
-              </a:spcBef>
-              <a:spcAft>
-                <a:spcPts val="0"/>
-              </a:spcAft>
-              <a:buNone/>
-            </a:pPr>
-            <a:r>
-              <a:rPr lang="en" sz="800" dirty="0">
-                <a:highlight>
-                  <a:schemeClr val="lt1"/>
-                </a:highlight>
-              </a:rPr>
-              <a:t>- </a:t>
-            </a:r>
-            <a:r>
-              <a:rPr lang="en" sz="800" dirty="0" err="1">
-                <a:highlight>
-                  <a:schemeClr val="lt1"/>
-                </a:highlight>
-              </a:rPr>
-              <a:t>st_product</a:t>
-            </a:r>
-            <a:br>
-              <a:rPr lang="en" sz="800" dirty="0">
-                <a:highlight>
-                  <a:schemeClr val="lt1"/>
-                </a:highlight>
-              </a:rPr>
-            </a:br>
-            <a:r>
-              <a:rPr lang="en" sz="800" dirty="0">
-                <a:highlight>
-                  <a:schemeClr val="lt1"/>
-                </a:highlight>
-              </a:rPr>
-              <a:t>- </a:t>
-            </a:r>
-            <a:r>
-              <a:rPr lang="en" sz="800" dirty="0" err="1">
-                <a:highlight>
-                  <a:schemeClr val="lt1"/>
-                </a:highlight>
-              </a:rPr>
-              <a:t>st_rider</a:t>
-            </a:r>
-            <a:br>
-              <a:rPr lang="en" sz="800" dirty="0">
-                <a:highlight>
-                  <a:schemeClr val="lt1"/>
-                </a:highlight>
-              </a:rPr>
-            </a:br>
-            <a:r>
-              <a:rPr lang="en" sz="800" dirty="0">
-                <a:highlight>
-                  <a:schemeClr val="lt1"/>
-                </a:highlight>
-              </a:rPr>
-              <a:t>- </a:t>
-            </a:r>
-            <a:r>
-              <a:rPr lang="en" sz="800" dirty="0" err="1">
-                <a:solidFill>
-                  <a:schemeClr val="dk1"/>
-                </a:solidFill>
-                <a:highlight>
-                  <a:schemeClr val="lt1"/>
-                </a:highlight>
-              </a:rPr>
-              <a:t>st_rider_insure_cal</a:t>
-            </a:r>
-            <a:br>
-              <a:rPr lang="en" sz="800" dirty="0">
-                <a:solidFill>
-                  <a:schemeClr val="dk1"/>
-                </a:solidFill>
-                <a:highlight>
-                  <a:schemeClr val="lt1"/>
-                </a:highlight>
-              </a:rPr>
-            </a:br>
-            <a:r>
-              <a:rPr lang="en" sz="800" dirty="0">
-                <a:solidFill>
-                  <a:schemeClr val="dk1"/>
-                </a:solidFill>
-                <a:highlight>
-                  <a:schemeClr val="lt1"/>
-                </a:highlight>
-              </a:rPr>
-              <a:t>- </a:t>
-            </a:r>
-            <a:r>
-              <a:rPr lang="en" sz="800" dirty="0" err="1">
-                <a:solidFill>
-                  <a:schemeClr val="dk1"/>
-                </a:solidFill>
-                <a:highlight>
-                  <a:schemeClr val="lt1"/>
-                </a:highlight>
-              </a:rPr>
-              <a:t>st_rider_plan</a:t>
-            </a:r>
-            <a:br>
-              <a:rPr lang="en" sz="800" dirty="0">
-                <a:solidFill>
-                  <a:schemeClr val="dk1"/>
-                </a:solidFill>
-                <a:highlight>
-                  <a:schemeClr val="lt1"/>
-                </a:highlight>
-              </a:rPr>
-            </a:br>
-            <a:r>
-              <a:rPr lang="en" sz="800" dirty="0">
-                <a:solidFill>
-                  <a:schemeClr val="dk1"/>
-                </a:solidFill>
-                <a:highlight>
-                  <a:schemeClr val="lt1"/>
-                </a:highlight>
-              </a:rPr>
-              <a:t>create CSV by batch</a:t>
-            </a:r>
-            <a:endParaRPr sz="800" dirty="0">
-              <a:highlight>
-                <a:schemeClr val="lt1"/>
-              </a:highlight>
-            </a:endParaRPr>
-          </a:p>
-        </p:txBody>
-      </p:sp>
-      <p:cxnSp>
-        <p:nvCxnSpPr>
-          <p:cNvPr id="121" name="Google Shape;121;p13"/>
-          <p:cNvCxnSpPr>
-            <a:stCxn id="55" idx="1"/>
-            <a:endCxn id="106" idx="3"/>
-          </p:cNvCxnSpPr>
-          <p:nvPr/>
-        </p:nvCxnSpPr>
-        <p:spPr>
-          <a:xfrm rot="10800000">
-            <a:off x="5702725" y="1545102"/>
-            <a:ext cx="1188203" cy="840599"/>
-          </a:xfrm>
-          <a:prstGeom prst="bentConnector3">
-            <a:avLst>
-              <a:gd name="adj1" fmla="val 50000"/>
-            </a:avLst>
-          </a:prstGeom>
-          <a:noFill/>
-          <a:ln w="9525" cap="flat" cmpd="sng">
-            <a:solidFill>
-              <a:schemeClr val="dk2"/>
-            </a:solidFill>
-            <a:prstDash val="solid"/>
-            <a:round/>
-            <a:headEnd type="none" w="med" len="med"/>
-            <a:tailEnd type="stealth" w="med" len="med"/>
-          </a:ln>
-        </p:spPr>
-      </p:cxnSp>
-      <p:sp>
-        <p:nvSpPr>
-          <p:cNvPr id="122" name="Google Shape;122;p13"/>
-          <p:cNvSpPr txBox="1"/>
-          <p:nvPr/>
-        </p:nvSpPr>
-        <p:spPr>
-          <a:xfrm>
-            <a:off x="5550324" y="1993068"/>
-            <a:ext cx="985200" cy="486600"/>
-          </a:xfrm>
-          <a:prstGeom prst="rect">
-            <a:avLst/>
-          </a:prstGeom>
-          <a:noFill/>
-          <a:ln>
-            <a:noFill/>
-          </a:ln>
-        </p:spPr>
-        <p:txBody>
-          <a:bodyPr spcFirstLastPara="1" wrap="square" lIns="91425" tIns="91425" rIns="91425" bIns="91425" anchor="ctr" anchorCtr="0">
-            <a:noAutofit/>
-          </a:bodyPr>
-          <a:lstStyle/>
-          <a:p>
-            <a:pPr marL="0" lvl="0" indent="0" algn="l" rtl="0">
-              <a:spcBef>
-                <a:spcPts val="0"/>
-              </a:spcBef>
-              <a:spcAft>
-                <a:spcPts val="0"/>
-              </a:spcAft>
-              <a:buNone/>
-            </a:pPr>
-            <a:r>
-              <a:rPr lang="en" sz="800" dirty="0" err="1">
-                <a:highlight>
-                  <a:schemeClr val="lt1"/>
-                </a:highlight>
-              </a:rPr>
-              <a:t>ข้อมูลรายได้จาก</a:t>
-            </a:r>
-            <a:r>
-              <a:rPr lang="en" sz="800" dirty="0">
-                <a:highlight>
-                  <a:schemeClr val="lt1"/>
-                </a:highlight>
-              </a:rPr>
-              <a:t> income</a:t>
-            </a:r>
-            <a:endParaRPr sz="800" dirty="0">
-              <a:highlight>
-                <a:schemeClr val="lt1"/>
-              </a:highlight>
-            </a:endParaRPr>
-          </a:p>
-        </p:txBody>
-      </p:sp>
-      <p:sp>
-        <p:nvSpPr>
-          <p:cNvPr id="123" name="Google Shape;123;p13"/>
-          <p:cNvSpPr txBox="1"/>
-          <p:nvPr/>
-        </p:nvSpPr>
-        <p:spPr>
-          <a:xfrm>
-            <a:off x="5804226" y="1233573"/>
-            <a:ext cx="985200" cy="486600"/>
-          </a:xfrm>
-          <a:prstGeom prst="rect">
-            <a:avLst/>
-          </a:prstGeom>
-          <a:noFill/>
-          <a:ln>
-            <a:noFill/>
-          </a:ln>
-        </p:spPr>
-        <p:txBody>
-          <a:bodyPr spcFirstLastPara="1" wrap="square" lIns="91425" tIns="91425" rIns="91425" bIns="91425" anchor="ctr" anchorCtr="0">
-            <a:noAutofit/>
-          </a:bodyPr>
-          <a:lstStyle/>
-          <a:p>
-            <a:pPr marL="0" lvl="0" indent="0" algn="l" rtl="0">
-              <a:spcBef>
-                <a:spcPts val="0"/>
-              </a:spcBef>
-              <a:spcAft>
-                <a:spcPts val="0"/>
-              </a:spcAft>
-              <a:buNone/>
-            </a:pPr>
-            <a:r>
-              <a:rPr lang="en" sz="800" dirty="0" err="1">
-                <a:highlight>
-                  <a:schemeClr val="lt1"/>
-                </a:highlight>
-              </a:rPr>
-              <a:t>ข้อมูล</a:t>
-            </a:r>
-            <a:r>
-              <a:rPr lang="en" sz="800" dirty="0">
-                <a:highlight>
-                  <a:schemeClr val="lt1"/>
-                </a:highlight>
-              </a:rPr>
-              <a:t> </a:t>
-            </a:r>
-            <a:r>
-              <a:rPr lang="en" sz="800" dirty="0" err="1">
-                <a:highlight>
-                  <a:schemeClr val="lt1"/>
-                </a:highlight>
-              </a:rPr>
-              <a:t>จาก</a:t>
-            </a:r>
-            <a:r>
-              <a:rPr lang="en" sz="800" dirty="0">
-                <a:highlight>
-                  <a:schemeClr val="lt1"/>
-                </a:highlight>
-              </a:rPr>
-              <a:t> </a:t>
-            </a:r>
-            <a:r>
-              <a:rPr lang="en" sz="800" dirty="0" err="1">
-                <a:highlight>
-                  <a:schemeClr val="lt1"/>
-                </a:highlight>
-              </a:rPr>
-              <a:t>geras</a:t>
-            </a:r>
-            <a:endParaRPr sz="800" dirty="0">
-              <a:highlight>
-                <a:schemeClr val="lt1"/>
-              </a:highlight>
-            </a:endParaRPr>
-          </a:p>
-        </p:txBody>
-      </p:sp>
-      <p:sp>
-        <p:nvSpPr>
-          <p:cNvPr id="113" name="Google Shape;113;p13"/>
-          <p:cNvSpPr/>
-          <p:nvPr/>
-        </p:nvSpPr>
-        <p:spPr>
-          <a:xfrm>
-            <a:off x="1859217" y="1880125"/>
-            <a:ext cx="1075800" cy="384300"/>
-          </a:xfrm>
-          <a:prstGeom prst="roundRect">
-            <a:avLst>
-              <a:gd name="adj" fmla="val 8420"/>
-            </a:avLst>
-          </a:prstGeom>
-          <a:solidFill>
-            <a:schemeClr val="lt1"/>
-          </a:solidFill>
-          <a:ln w="9525" cap="flat" cmpd="sng">
-            <a:solidFill>
-              <a:srgbClr val="000000"/>
-            </a:solidFill>
-            <a:prstDash val="solid"/>
-            <a:round/>
-            <a:headEnd type="none" w="sm" len="sm"/>
-            <a:tailEnd type="none" w="sm" len="sm"/>
-          </a:ln>
-        </p:spPr>
-        <p:txBody>
-          <a:bodyPr spcFirstLastPara="1" wrap="square" lIns="91425" tIns="91425" rIns="91425" bIns="91425" anchor="ctr" anchorCtr="0">
-            <a:noAutofit/>
-          </a:bodyPr>
-          <a:lstStyle/>
-          <a:p>
-            <a:pPr marL="0" lvl="0" indent="0" algn="ctr" rtl="0">
-              <a:spcBef>
-                <a:spcPts val="0"/>
-              </a:spcBef>
-              <a:spcAft>
-                <a:spcPts val="0"/>
-              </a:spcAft>
-              <a:buNone/>
-            </a:pPr>
-            <a:r>
-              <a:rPr lang="en" sz="1000"/>
-              <a:t>msa-scheduler</a:t>
-            </a:r>
-            <a:endParaRPr sz="1000"/>
-          </a:p>
-        </p:txBody>
-      </p:sp>
-      <p:cxnSp>
-        <p:nvCxnSpPr>
-          <p:cNvPr id="124" name="Google Shape;124;p13"/>
-          <p:cNvCxnSpPr>
-            <a:stCxn id="113" idx="3"/>
-            <a:endCxn id="56" idx="1"/>
-          </p:cNvCxnSpPr>
-          <p:nvPr/>
-        </p:nvCxnSpPr>
-        <p:spPr>
-          <a:xfrm>
-            <a:off x="2935017" y="2072275"/>
-            <a:ext cx="953700" cy="1500"/>
-          </a:xfrm>
-          <a:prstGeom prst="straightConnector1">
-            <a:avLst/>
-          </a:prstGeom>
-          <a:noFill/>
-          <a:ln w="9525" cap="flat" cmpd="sng">
-            <a:solidFill>
-              <a:schemeClr val="dk2"/>
-            </a:solidFill>
-            <a:prstDash val="solid"/>
-            <a:round/>
-            <a:headEnd type="none" w="med" len="med"/>
-            <a:tailEnd type="stealth" w="med" len="med"/>
-          </a:ln>
-        </p:spPr>
-      </p:cxnSp>
-      <p:sp>
-        <p:nvSpPr>
-          <p:cNvPr id="125" name="Google Shape;125;p13"/>
-          <p:cNvSpPr txBox="1"/>
-          <p:nvPr/>
-        </p:nvSpPr>
-        <p:spPr>
-          <a:xfrm>
-            <a:off x="2979825" y="1943925"/>
-            <a:ext cx="711600" cy="243900"/>
           </a:xfrm>
           <a:prstGeom prst="rect">
             <a:avLst/>
@@ -13100,7 +9049,7 @@
                   <a:schemeClr val="lt1"/>
                 </a:highlight>
               </a:rPr>
-              <a:t>Tigger Job</a:t>
+              <a:t>ข้อมูลตัวแทนจาก OCDTA LIB</a:t>
             </a:r>
             <a:endParaRPr sz="800">
               <a:highlight>
@@ -13110,242 +9059,9 @@
           </a:p>
         </p:txBody>
       </p:sp>
-      <p:sp>
-        <p:nvSpPr>
-          <p:cNvPr id="2" name="Rounded Rectangle 1">
-            <a:extLst>
-              <a:ext uri="{FF2B5EF4-FFF2-40B4-BE49-F238E27FC236}">
-                <a16:creationId xmlns:a16="http://schemas.microsoft.com/office/drawing/2014/main" id="{B8859A6A-45EA-C34B-88BC-35919B29B868}"/>
-              </a:ext>
-            </a:extLst>
-          </p:cNvPr>
-          <p:cNvSpPr/>
-          <p:nvPr/>
-        </p:nvSpPr>
-        <p:spPr>
-          <a:xfrm>
-            <a:off x="6733834" y="1948516"/>
-            <a:ext cx="904048" cy="721518"/>
-          </a:xfrm>
-          <a:prstGeom prst="roundRect">
-            <a:avLst/>
-          </a:prstGeom>
-          <a:solidFill>
-            <a:srgbClr val="FFD7EE">
-              <a:alpha val="18039"/>
-            </a:srgbClr>
-          </a:solidFill>
-        </p:spPr>
-        <p:style>
-          <a:lnRef idx="2">
-            <a:schemeClr val="accent1">
-              <a:shade val="50000"/>
-            </a:schemeClr>
-          </a:lnRef>
-          <a:fillRef idx="1">
-            <a:schemeClr val="accent1"/>
-          </a:fillRef>
-          <a:effectRef idx="0">
-            <a:schemeClr val="accent1"/>
-          </a:effectRef>
-          <a:fontRef idx="minor">
-            <a:schemeClr val="lt1"/>
-          </a:fontRef>
-        </p:style>
-        <p:txBody>
-          <a:bodyPr rtlCol="0" anchor="ctr"/>
-          <a:lstStyle/>
-          <a:p>
-            <a:pPr algn="ctr"/>
-            <a:endParaRPr lang="en-TH"/>
-          </a:p>
-        </p:txBody>
-      </p:sp>
-      <p:sp>
-        <p:nvSpPr>
-          <p:cNvPr id="126" name="Rounded Rectangle 125">
-            <a:extLst>
-              <a:ext uri="{FF2B5EF4-FFF2-40B4-BE49-F238E27FC236}">
-                <a16:creationId xmlns:a16="http://schemas.microsoft.com/office/drawing/2014/main" id="{C35FFB6E-7633-D844-9043-E28E9ADF8E5B}"/>
-              </a:ext>
-            </a:extLst>
-          </p:cNvPr>
-          <p:cNvSpPr/>
-          <p:nvPr/>
-        </p:nvSpPr>
-        <p:spPr>
-          <a:xfrm>
-            <a:off x="7363493" y="3634226"/>
-            <a:ext cx="1780507" cy="1511094"/>
-          </a:xfrm>
-          <a:prstGeom prst="roundRect">
-            <a:avLst/>
-          </a:prstGeom>
-          <a:solidFill>
-            <a:schemeClr val="accent6">
-              <a:lumMod val="60000"/>
-              <a:lumOff val="40000"/>
-              <a:alpha val="18039"/>
-            </a:schemeClr>
-          </a:solidFill>
-          <a:ln>
-            <a:solidFill>
-              <a:schemeClr val="bg2">
-                <a:lumMod val="50000"/>
-              </a:schemeClr>
-            </a:solidFill>
-          </a:ln>
-        </p:spPr>
-        <p:style>
-          <a:lnRef idx="2">
-            <a:schemeClr val="accent1">
-              <a:shade val="50000"/>
-            </a:schemeClr>
-          </a:lnRef>
-          <a:fillRef idx="1">
-            <a:schemeClr val="accent1"/>
-          </a:fillRef>
-          <a:effectRef idx="0">
-            <a:schemeClr val="accent1"/>
-          </a:effectRef>
-          <a:fontRef idx="minor">
-            <a:schemeClr val="lt1"/>
-          </a:fontRef>
-        </p:style>
-        <p:txBody>
-          <a:bodyPr rtlCol="0" anchor="ctr"/>
-          <a:lstStyle/>
-          <a:p>
-            <a:pPr algn="ctr"/>
-            <a:endParaRPr lang="en-TH"/>
-          </a:p>
-        </p:txBody>
-      </p:sp>
-      <p:sp>
-        <p:nvSpPr>
-          <p:cNvPr id="127" name="Rounded Rectangle 126">
-            <a:extLst>
-              <a:ext uri="{FF2B5EF4-FFF2-40B4-BE49-F238E27FC236}">
-                <a16:creationId xmlns:a16="http://schemas.microsoft.com/office/drawing/2014/main" id="{2B0F59FB-A971-B148-8825-847673FC3FC7}"/>
-              </a:ext>
-            </a:extLst>
-          </p:cNvPr>
-          <p:cNvSpPr/>
-          <p:nvPr/>
-        </p:nvSpPr>
-        <p:spPr>
-          <a:xfrm>
-            <a:off x="7364086" y="583347"/>
-            <a:ext cx="1780507" cy="1355485"/>
-          </a:xfrm>
-          <a:prstGeom prst="roundRect">
-            <a:avLst/>
-          </a:prstGeom>
-          <a:solidFill>
-            <a:schemeClr val="accent5">
-              <a:lumMod val="40000"/>
-              <a:lumOff val="60000"/>
-              <a:alpha val="18039"/>
-            </a:schemeClr>
-          </a:solidFill>
-          <a:ln>
-            <a:solidFill>
-              <a:schemeClr val="bg2">
-                <a:lumMod val="50000"/>
-              </a:schemeClr>
-            </a:solidFill>
-          </a:ln>
-        </p:spPr>
-        <p:style>
-          <a:lnRef idx="2">
-            <a:schemeClr val="accent1">
-              <a:shade val="50000"/>
-            </a:schemeClr>
-          </a:lnRef>
-          <a:fillRef idx="1">
-            <a:schemeClr val="accent1"/>
-          </a:fillRef>
-          <a:effectRef idx="0">
-            <a:schemeClr val="accent1"/>
-          </a:effectRef>
-          <a:fontRef idx="minor">
-            <a:schemeClr val="lt1"/>
-          </a:fontRef>
-        </p:style>
-        <p:txBody>
-          <a:bodyPr rtlCol="0" anchor="ctr"/>
-          <a:lstStyle/>
-          <a:p>
-            <a:pPr algn="ctr"/>
-            <a:endParaRPr lang="en-TH"/>
-          </a:p>
-        </p:txBody>
-      </p:sp>
-      <p:sp>
-        <p:nvSpPr>
-          <p:cNvPr id="128" name="Google Shape;60;p13">
-            <a:extLst>
-              <a:ext uri="{FF2B5EF4-FFF2-40B4-BE49-F238E27FC236}">
-                <a16:creationId xmlns:a16="http://schemas.microsoft.com/office/drawing/2014/main" id="{ABA33692-4023-3A47-801B-929FF6A97828}"/>
-              </a:ext>
-            </a:extLst>
-          </p:cNvPr>
-          <p:cNvSpPr/>
-          <p:nvPr/>
-        </p:nvSpPr>
-        <p:spPr>
-          <a:xfrm>
-            <a:off x="5685593" y="3650895"/>
-            <a:ext cx="1016400" cy="428700"/>
-          </a:xfrm>
-          <a:prstGeom prst="rect">
-            <a:avLst/>
-          </a:prstGeom>
-          <a:solidFill>
-            <a:srgbClr val="FFFFFF"/>
-          </a:solidFill>
-          <a:ln w="9525" cap="flat" cmpd="sng">
-            <a:solidFill>
-              <a:srgbClr val="000000"/>
-            </a:solidFill>
-            <a:prstDash val="solid"/>
-            <a:round/>
-            <a:headEnd type="none" w="sm" len="sm"/>
-            <a:tailEnd type="none" w="sm" len="sm"/>
-          </a:ln>
-        </p:spPr>
-        <p:txBody>
-          <a:bodyPr spcFirstLastPara="1" wrap="square" lIns="91425" tIns="91425" rIns="91425" bIns="91425" anchor="ctr" anchorCtr="0">
-            <a:noAutofit/>
-          </a:bodyPr>
-          <a:lstStyle/>
-          <a:p>
-            <a:pPr marL="0" lvl="0" indent="0" algn="ctr" rtl="0">
-              <a:spcBef>
-                <a:spcPts val="0"/>
-              </a:spcBef>
-              <a:spcAft>
-                <a:spcPts val="0"/>
-              </a:spcAft>
-              <a:buNone/>
-            </a:pPr>
-            <a:r>
-              <a:rPr lang="en-US" sz="1000" b="1" dirty="0" err="1"/>
-              <a:t>Geras</a:t>
-            </a:r>
-            <a:endParaRPr sz="1000" b="1" dirty="0"/>
-          </a:p>
-        </p:txBody>
-      </p:sp>
       <p:pic>
         <p:nvPicPr>
-          <p:cNvPr id="129" name="Google Shape;118;p13">
-            <a:extLst>
-              <a:ext uri="{FF2B5EF4-FFF2-40B4-BE49-F238E27FC236}">
-                <a16:creationId xmlns:a16="http://schemas.microsoft.com/office/drawing/2014/main" id="{4193467B-C708-9C44-8256-C51D8F40F12E}"/>
-              </a:ext>
-            </a:extLst>
-          </p:cNvPr>
+          <p:cNvPr id="118" name="Google Shape;118;p13"/>
           <p:cNvPicPr preferRelativeResize="0"/>
           <p:nvPr/>
         </p:nvPicPr>
@@ -13359,7 +9075,7 @@
         </p:blipFill>
         <p:spPr>
           <a:xfrm>
-            <a:off x="6599525" y="3669596"/>
+            <a:off x="5336110" y="710953"/>
             <a:ext cx="377100" cy="377100"/>
           </a:xfrm>
           <a:prstGeom prst="rect">
@@ -13373,23 +9089,17 @@
       </p:pic>
       <p:cxnSp>
         <p:nvCxnSpPr>
-          <p:cNvPr id="130" name="Google Shape;119;p13">
-            <a:extLst>
-              <a:ext uri="{FF2B5EF4-FFF2-40B4-BE49-F238E27FC236}">
-                <a16:creationId xmlns:a16="http://schemas.microsoft.com/office/drawing/2014/main" id="{DFBEDEB9-B962-9544-B130-74BAD5402F9C}"/>
-              </a:ext>
-            </a:extLst>
-          </p:cNvPr>
+          <p:cNvPr id="119" name="Google Shape;119;p13"/>
           <p:cNvCxnSpPr>
-            <a:cxnSpLocks/>
-            <a:stCxn id="129" idx="3"/>
+            <a:stCxn id="118" idx="3"/>
+            <a:endCxn id="55" idx="0"/>
           </p:cNvCxnSpPr>
           <p:nvPr/>
         </p:nvCxnSpPr>
         <p:spPr>
-          <a:xfrm flipV="1">
-            <a:off x="6976625" y="2516335"/>
-            <a:ext cx="228066" cy="1341811"/>
+          <a:xfrm>
+            <a:off x="5713210" y="899503"/>
+            <a:ext cx="1541400" cy="1167600"/>
           </a:xfrm>
           <a:prstGeom prst="bentConnector2">
             <a:avLst/>
@@ -13408,88 +9118,133 @@
       </p:cxnSp>
       <p:sp>
         <p:nvSpPr>
-          <p:cNvPr id="131" name="Rounded Rectangle 130">
-            <a:extLst>
-              <a:ext uri="{FF2B5EF4-FFF2-40B4-BE49-F238E27FC236}">
-                <a16:creationId xmlns:a16="http://schemas.microsoft.com/office/drawing/2014/main" id="{175732B8-EC6E-BC4F-9D56-DA3DCFEF0A85}"/>
-              </a:ext>
-            </a:extLst>
-          </p:cNvPr>
-          <p:cNvSpPr/>
-          <p:nvPr/>
-        </p:nvSpPr>
-        <p:spPr>
-          <a:xfrm>
-            <a:off x="5496544" y="3588791"/>
-            <a:ext cx="1780507" cy="1171931"/>
-          </a:xfrm>
-          <a:prstGeom prst="roundRect">
-            <a:avLst/>
-          </a:prstGeom>
-          <a:solidFill>
-            <a:schemeClr val="accent3">
-              <a:lumMod val="40000"/>
-              <a:lumOff val="60000"/>
-              <a:alpha val="18039"/>
-            </a:schemeClr>
-          </a:solidFill>
+          <p:cNvPr id="120" name="Google Shape;120;p13"/>
+          <p:cNvSpPr txBox="1"/>
+          <p:nvPr/>
+        </p:nvSpPr>
+        <p:spPr>
+          <a:xfrm>
+            <a:off x="6139598" y="679819"/>
+            <a:ext cx="1169700" cy="486600"/>
+          </a:xfrm>
+          <a:prstGeom prst="rect">
+            <a:avLst/>
+          </a:prstGeom>
+          <a:noFill/>
           <a:ln>
-            <a:solidFill>
-              <a:schemeClr val="bg2">
-                <a:lumMod val="50000"/>
-              </a:schemeClr>
-            </a:solidFill>
-          </a:ln>
-        </p:spPr>
-        <p:style>
-          <a:lnRef idx="2">
-            <a:schemeClr val="accent1">
-              <a:shade val="50000"/>
-            </a:schemeClr>
-          </a:lnRef>
-          <a:fillRef idx="1">
-            <a:schemeClr val="accent1"/>
-          </a:fillRef>
-          <a:effectRef idx="0">
-            <a:schemeClr val="accent1"/>
-          </a:effectRef>
-          <a:fontRef idx="minor">
-            <a:schemeClr val="lt1"/>
-          </a:fontRef>
-        </p:style>
-        <p:txBody>
-          <a:bodyPr rtlCol="0" anchor="ctr"/>
+            <a:noFill/>
+          </a:ln>
+        </p:spPr>
+        <p:txBody>
+          <a:bodyPr spcFirstLastPara="1" wrap="square" lIns="91425" tIns="91425" rIns="91425" bIns="91425" anchor="ctr" anchorCtr="0">
+            <a:noAutofit/>
+          </a:bodyPr>
           <a:lstStyle/>
           <a:p>
-            <a:pPr algn="ctr"/>
-            <a:endParaRPr lang="en-TH" dirty="0"/>
+            <a:pPr marL="0" lvl="0" indent="0" algn="l" rtl="0">
+              <a:spcBef>
+                <a:spcPts val="0"/>
+              </a:spcBef>
+              <a:spcAft>
+                <a:spcPts val="0"/>
+              </a:spcAft>
+              <a:buNone/>
+            </a:pPr>
+            <a:r>
+              <a:rPr lang="en" sz="800">
+                <a:highlight>
+                  <a:schemeClr val="lt1"/>
+                </a:highlight>
+              </a:rPr>
+              <a:t>- st_product</a:t>
+            </a:r>
+            <a:br>
+              <a:rPr lang="en" sz="800">
+                <a:highlight>
+                  <a:schemeClr val="lt1"/>
+                </a:highlight>
+              </a:rPr>
+            </a:br>
+            <a:r>
+              <a:rPr lang="en" sz="800">
+                <a:highlight>
+                  <a:schemeClr val="lt1"/>
+                </a:highlight>
+              </a:rPr>
+              <a:t>- st_rider</a:t>
+            </a:r>
+            <a:br>
+              <a:rPr lang="en" sz="800">
+                <a:highlight>
+                  <a:schemeClr val="lt1"/>
+                </a:highlight>
+              </a:rPr>
+            </a:br>
+            <a:r>
+              <a:rPr lang="en" sz="800">
+                <a:highlight>
+                  <a:schemeClr val="lt1"/>
+                </a:highlight>
+              </a:rPr>
+              <a:t>- </a:t>
+            </a:r>
+            <a:r>
+              <a:rPr lang="en" sz="800">
+                <a:solidFill>
+                  <a:schemeClr val="dk1"/>
+                </a:solidFill>
+                <a:highlight>
+                  <a:schemeClr val="lt1"/>
+                </a:highlight>
+              </a:rPr>
+              <a:t>st_rider_insure_cal</a:t>
+            </a:r>
+            <a:br>
+              <a:rPr lang="en" sz="800">
+                <a:solidFill>
+                  <a:schemeClr val="dk1"/>
+                </a:solidFill>
+                <a:highlight>
+                  <a:schemeClr val="lt1"/>
+                </a:highlight>
+              </a:rPr>
+            </a:br>
+            <a:r>
+              <a:rPr lang="en" sz="800">
+                <a:solidFill>
+                  <a:schemeClr val="dk1"/>
+                </a:solidFill>
+                <a:highlight>
+                  <a:schemeClr val="lt1"/>
+                </a:highlight>
+              </a:rPr>
+              <a:t>- st_rider_plan</a:t>
+            </a:r>
+            <a:endParaRPr sz="800">
+              <a:highlight>
+                <a:schemeClr val="lt1"/>
+              </a:highlight>
+            </a:endParaRPr>
           </a:p>
         </p:txBody>
       </p:sp>
       <p:cxnSp>
         <p:nvCxnSpPr>
-          <p:cNvPr id="132" name="Google Shape;107;p13">
-            <a:extLst>
-              <a:ext uri="{FF2B5EF4-FFF2-40B4-BE49-F238E27FC236}">
-                <a16:creationId xmlns:a16="http://schemas.microsoft.com/office/drawing/2014/main" id="{57688FC7-B3FA-2443-BEBB-3B4FEFAF60F9}"/>
-              </a:ext>
-            </a:extLst>
-          </p:cNvPr>
+          <p:cNvPr id="121" name="Google Shape;121;p13"/>
           <p:cNvCxnSpPr>
-            <a:cxnSpLocks/>
-            <a:stCxn id="90" idx="3"/>
+            <a:stCxn id="55" idx="1"/>
+            <a:endCxn id="106" idx="3"/>
           </p:cNvCxnSpPr>
           <p:nvPr/>
         </p:nvCxnSpPr>
         <p:spPr>
-          <a:xfrm flipH="1" flipV="1">
-            <a:off x="5325401" y="2286757"/>
-            <a:ext cx="72523" cy="480684"/>
-          </a:xfrm>
-          <a:prstGeom prst="curvedConnector4">
+          <a:xfrm rot="10800000">
+            <a:off x="5702815" y="1545079"/>
+            <a:ext cx="1244400" cy="688800"/>
+          </a:xfrm>
+          <a:prstGeom prst="bentConnector3">
             <a:avLst>
-              <a:gd name="adj1" fmla="val -315210"/>
-              <a:gd name="adj2" fmla="val 69987"/>
+              <a:gd name="adj1" fmla="val 12991"/>
             </a:avLst>
           </a:prstGeom>
           <a:noFill/>
@@ -13504,12 +9259,238 @@
           </a:ln>
         </p:spPr>
       </p:cxnSp>
+      <p:sp>
+        <p:nvSpPr>
+          <p:cNvPr id="122" name="Google Shape;122;p13"/>
+          <p:cNvSpPr txBox="1"/>
+          <p:nvPr/>
+        </p:nvSpPr>
+        <p:spPr>
+          <a:xfrm>
+            <a:off x="5908575" y="2003875"/>
+            <a:ext cx="985200" cy="486600"/>
+          </a:xfrm>
+          <a:prstGeom prst="rect">
+            <a:avLst/>
+          </a:prstGeom>
+          <a:noFill/>
+          <a:ln>
+            <a:noFill/>
+          </a:ln>
+        </p:spPr>
+        <p:txBody>
+          <a:bodyPr spcFirstLastPara="1" wrap="square" lIns="91425" tIns="91425" rIns="91425" bIns="91425" anchor="ctr" anchorCtr="0">
+            <a:noAutofit/>
+          </a:bodyPr>
+          <a:lstStyle/>
+          <a:p>
+            <a:pPr marL="0" lvl="0" indent="0" algn="l" rtl="0">
+              <a:spcBef>
+                <a:spcPts val="0"/>
+              </a:spcBef>
+              <a:spcAft>
+                <a:spcPts val="0"/>
+              </a:spcAft>
+              <a:buNone/>
+            </a:pPr>
+            <a:r>
+              <a:rPr lang="en" sz="800">
+                <a:highlight>
+                  <a:schemeClr val="lt1"/>
+                </a:highlight>
+              </a:rPr>
+              <a:t>ข้อมูลรายได้จาก income</a:t>
+            </a:r>
+            <a:endParaRPr sz="800">
+              <a:highlight>
+                <a:schemeClr val="lt1"/>
+              </a:highlight>
+            </a:endParaRPr>
+          </a:p>
+        </p:txBody>
+      </p:sp>
+      <p:sp>
+        <p:nvSpPr>
+          <p:cNvPr id="123" name="Google Shape;123;p13"/>
+          <p:cNvSpPr txBox="1"/>
+          <p:nvPr/>
+        </p:nvSpPr>
+        <p:spPr>
+          <a:xfrm>
+            <a:off x="6182800" y="1306288"/>
+            <a:ext cx="985200" cy="486600"/>
+          </a:xfrm>
+          <a:prstGeom prst="rect">
+            <a:avLst/>
+          </a:prstGeom>
+          <a:noFill/>
+          <a:ln>
+            <a:noFill/>
+          </a:ln>
+        </p:spPr>
+        <p:txBody>
+          <a:bodyPr spcFirstLastPara="1" wrap="square" lIns="91425" tIns="91425" rIns="91425" bIns="91425" anchor="ctr" anchorCtr="0">
+            <a:noAutofit/>
+          </a:bodyPr>
+          <a:lstStyle/>
+          <a:p>
+            <a:pPr marL="0" lvl="0" indent="0" algn="l" rtl="0">
+              <a:spcBef>
+                <a:spcPts val="0"/>
+              </a:spcBef>
+              <a:spcAft>
+                <a:spcPts val="0"/>
+              </a:spcAft>
+              <a:buNone/>
+            </a:pPr>
+            <a:r>
+              <a:rPr lang="en" sz="800">
+                <a:highlight>
+                  <a:schemeClr val="lt1"/>
+                </a:highlight>
+              </a:rPr>
+              <a:t>ข้อมูล product จาก geras</a:t>
+            </a:r>
+            <a:endParaRPr sz="800">
+              <a:highlight>
+                <a:schemeClr val="lt1"/>
+              </a:highlight>
+            </a:endParaRPr>
+          </a:p>
+        </p:txBody>
+      </p:sp>
+      <p:sp>
+        <p:nvSpPr>
+          <p:cNvPr id="113" name="Google Shape;113;p13"/>
+          <p:cNvSpPr/>
+          <p:nvPr/>
+        </p:nvSpPr>
+        <p:spPr>
+          <a:xfrm>
+            <a:off x="1859217" y="1880125"/>
+            <a:ext cx="1075800" cy="384300"/>
+          </a:xfrm>
+          <a:prstGeom prst="roundRect">
+            <a:avLst>
+              <a:gd name="adj" fmla="val 8420"/>
+            </a:avLst>
+          </a:prstGeom>
+          <a:solidFill>
+            <a:schemeClr val="lt1"/>
+          </a:solidFill>
+          <a:ln w="9525" cap="flat" cmpd="sng">
+            <a:solidFill>
+              <a:srgbClr val="000000"/>
+            </a:solidFill>
+            <a:prstDash val="solid"/>
+            <a:round/>
+            <a:headEnd type="none" w="sm" len="sm"/>
+            <a:tailEnd type="none" w="sm" len="sm"/>
+          </a:ln>
+        </p:spPr>
+        <p:txBody>
+          <a:bodyPr spcFirstLastPara="1" wrap="square" lIns="91425" tIns="91425" rIns="91425" bIns="91425" anchor="ctr" anchorCtr="0">
+            <a:noAutofit/>
+          </a:bodyPr>
+          <a:lstStyle/>
+          <a:p>
+            <a:pPr marL="0" lvl="0" indent="0" algn="ctr" rtl="0">
+              <a:spcBef>
+                <a:spcPts val="0"/>
+              </a:spcBef>
+              <a:spcAft>
+                <a:spcPts val="0"/>
+              </a:spcAft>
+              <a:buNone/>
+            </a:pPr>
+            <a:r>
+              <a:rPr lang="en" sz="1000"/>
+              <a:t>msa-scheduler</a:t>
+            </a:r>
+            <a:endParaRPr sz="1000"/>
+          </a:p>
+        </p:txBody>
+      </p:sp>
+      <p:cxnSp>
+        <p:nvCxnSpPr>
+          <p:cNvPr id="124" name="Google Shape;124;p13"/>
+          <p:cNvCxnSpPr>
+            <a:stCxn id="113" idx="3"/>
+            <a:endCxn id="56" idx="1"/>
+          </p:cNvCxnSpPr>
+          <p:nvPr/>
+        </p:nvCxnSpPr>
+        <p:spPr>
+          <a:xfrm>
+            <a:off x="2935017" y="2072275"/>
+            <a:ext cx="953700" cy="1500"/>
+          </a:xfrm>
+          <a:prstGeom prst="straightConnector1">
+            <a:avLst/>
+          </a:prstGeom>
+          <a:noFill/>
+          <a:ln w="9525" cap="flat" cmpd="sng">
+            <a:solidFill>
+              <a:schemeClr val="dk2"/>
+            </a:solidFill>
+            <a:prstDash val="solid"/>
+            <a:round/>
+            <a:headEnd type="none" w="med" len="med"/>
+            <a:tailEnd type="stealth" w="med" len="med"/>
+          </a:ln>
+        </p:spPr>
+      </p:cxnSp>
+      <p:sp>
+        <p:nvSpPr>
+          <p:cNvPr id="125" name="Google Shape;125;p13"/>
+          <p:cNvSpPr txBox="1"/>
+          <p:nvPr/>
+        </p:nvSpPr>
+        <p:spPr>
+          <a:xfrm>
+            <a:off x="2979825" y="1943925"/>
+            <a:ext cx="711600" cy="243900"/>
+          </a:xfrm>
+          <a:prstGeom prst="rect">
+            <a:avLst/>
+          </a:prstGeom>
+          <a:noFill/>
+          <a:ln>
+            <a:noFill/>
+          </a:ln>
+        </p:spPr>
+        <p:txBody>
+          <a:bodyPr spcFirstLastPara="1" wrap="square" lIns="91425" tIns="91425" rIns="91425" bIns="91425" anchor="ctr" anchorCtr="0">
+            <a:noAutofit/>
+          </a:bodyPr>
+          <a:lstStyle/>
+          <a:p>
+            <a:pPr marL="0" lvl="0" indent="0" algn="l" rtl="0">
+              <a:spcBef>
+                <a:spcPts val="0"/>
+              </a:spcBef>
+              <a:spcAft>
+                <a:spcPts val="0"/>
+              </a:spcAft>
+              <a:buNone/>
+            </a:pPr>
+            <a:r>
+              <a:rPr lang="en" sz="800">
+                <a:highlight>
+                  <a:schemeClr val="lt1"/>
+                </a:highlight>
+              </a:rPr>
+              <a:t>Tigger Job</a:t>
+            </a:r>
+            <a:endParaRPr sz="800">
+              <a:highlight>
+                <a:schemeClr val="lt1"/>
+              </a:highlight>
+            </a:endParaRPr>
+          </a:p>
+        </p:txBody>
+      </p:sp>
     </p:spTree>
-    <p:extLst>
-      <p:ext uri="{BB962C8B-B14F-4D97-AF65-F5344CB8AC3E}">
-        <p14:creationId xmlns:p14="http://schemas.microsoft.com/office/powerpoint/2010/main" val="4082944885"/>
-      </p:ext>
-    </p:extLst>
   </p:cSld>
   <p:clrMapOvr>
     <a:masterClrMapping/>
@@ -13517,7 +9498,7 @@
 </p:sld>
 </file>
 
-<file path=ppt/slides/slide3.xml><?xml version="1.0" encoding="utf-8"?>
+<file path=ppt/slides/slide2.xml><?xml version="1.0" encoding="utf-8"?>
 <p:sld xmlns:a="http://schemas.openxmlformats.org/drawingml/2006/main" xmlns:r="http://schemas.openxmlformats.org/officeDocument/2006/relationships" xmlns:p="http://schemas.openxmlformats.org/presentationml/2006/main">
   <p:cSld>
     <p:spTree>
@@ -16144,7 +12125,7 @@
 </p:sld>
 </file>
 
-<file path=ppt/slides/slide4.xml><?xml version="1.0" encoding="utf-8"?>
+<file path=ppt/slides/slide3.xml><?xml version="1.0" encoding="utf-8"?>
 <p:sld xmlns:a="http://schemas.openxmlformats.org/drawingml/2006/main" xmlns:r="http://schemas.openxmlformats.org/officeDocument/2006/relationships" xmlns:p="http://schemas.openxmlformats.org/presentationml/2006/main">
   <p:cSld>
     <p:spTree>
@@ -17405,10 +13386,10 @@
               <a:buNone/>
             </a:pPr>
             <a:r>
-              <a:rPr lang="en" sz="800"/>
+              <a:rPr lang="en" sz="800" dirty="0"/>
               <a:t>2.6 verify Token </a:t>
             </a:r>
-            <a:endParaRPr sz="800"/>
+            <a:endParaRPr sz="800" dirty="0"/>
           </a:p>
           <a:p>
             <a:pPr marL="0" lvl="0" indent="0" algn="l" rtl="0">
@@ -17421,10 +13402,10 @@
               <a:buNone/>
             </a:pPr>
             <a:r>
-              <a:rPr lang="en" sz="800"/>
+              <a:rPr lang="en" sz="800" dirty="0"/>
               <a:t>(return Payload)</a:t>
             </a:r>
-            <a:endParaRPr sz="800"/>
+            <a:endParaRPr sz="800" dirty="0"/>
           </a:p>
         </p:txBody>
       </p:sp>
@@ -19046,6 +15027,64 @@
           </a:p>
         </p:txBody>
       </p:sp>
+      <p:sp>
+        <p:nvSpPr>
+          <p:cNvPr id="71" name="Google Shape;222;p15">
+            <a:extLst>
+              <a:ext uri="{FF2B5EF4-FFF2-40B4-BE49-F238E27FC236}">
+                <a16:creationId xmlns:a16="http://schemas.microsoft.com/office/drawing/2014/main" id="{7E7FF3D8-B3D7-2542-BD4D-B5D2D7671E27}"/>
+              </a:ext>
+            </a:extLst>
+          </p:cNvPr>
+          <p:cNvSpPr txBox="1"/>
+          <p:nvPr/>
+        </p:nvSpPr>
+        <p:spPr>
+          <a:xfrm>
+            <a:off x="7670274" y="2506400"/>
+            <a:ext cx="1164475" cy="243900"/>
+          </a:xfrm>
+          <a:prstGeom prst="rect">
+            <a:avLst/>
+          </a:prstGeom>
+          <a:solidFill>
+            <a:srgbClr val="FFFFFF"/>
+          </a:solidFill>
+          <a:ln>
+            <a:noFill/>
+          </a:ln>
+        </p:spPr>
+        <p:txBody>
+          <a:bodyPr spcFirstLastPara="1" wrap="square" lIns="91425" tIns="91425" rIns="91425" bIns="91425" anchor="ctr" anchorCtr="0">
+            <a:noAutofit/>
+          </a:bodyPr>
+          <a:lstStyle/>
+          <a:p>
+            <a:pPr marL="0" lvl="0" indent="0" algn="l" rtl="0">
+              <a:spcBef>
+                <a:spcPts val="0"/>
+              </a:spcBef>
+              <a:spcAft>
+                <a:spcPts val="0"/>
+              </a:spcAft>
+              <a:buNone/>
+            </a:pPr>
+            <a:r>
+              <a:rPr lang="en-US" sz="800" dirty="0"/>
+              <a:t>AS400 import at </a:t>
+            </a:r>
+            <a:r>
+              <a:rPr lang="th-TH" sz="800" dirty="0"/>
+              <a:t> </a:t>
+            </a:r>
+            <a:r>
+              <a:rPr lang="en-US" sz="800" dirty="0"/>
+              <a:t>5:00 every day</a:t>
+            </a:r>
+            <a:endParaRPr sz="800" dirty="0"/>
+          </a:p>
+        </p:txBody>
+      </p:sp>
     </p:spTree>
   </p:cSld>
   <p:clrMapOvr>
@@ -19054,7 +15093,7 @@
 </p:sld>
 </file>
 
-<file path=ppt/slides/slide5.xml><?xml version="1.0" encoding="utf-8"?>
+<file path=ppt/slides/slide4.xml><?xml version="1.0" encoding="utf-8"?>
 <p:sld xmlns:a="http://schemas.openxmlformats.org/drawingml/2006/main" xmlns:r="http://schemas.openxmlformats.org/officeDocument/2006/relationships" xmlns:p="http://schemas.openxmlformats.org/presentationml/2006/main">
   <p:cSld>
     <p:spTree>
@@ -21844,7 +17883,7 @@
 </p:sld>
 </file>
 
-<file path=ppt/slides/slide6.xml><?xml version="1.0" encoding="utf-8"?>
+<file path=ppt/slides/slide5.xml><?xml version="1.0" encoding="utf-8"?>
 <p:sld xmlns:a="http://schemas.openxmlformats.org/drawingml/2006/main" xmlns:r="http://schemas.openxmlformats.org/officeDocument/2006/relationships" xmlns:p="http://schemas.openxmlformats.org/presentationml/2006/main">
   <p:cSld>
     <p:spTree>
